--- a/Partidos Internacionales.pptx
+++ b/Partidos Internacionales.pptx
@@ -6,11 +6,12 @@
   </p:sldMasterIdLst>
   <p:sldIdLst>
     <p:sldId id="256" r:id="rId2"/>
-    <p:sldId id="257" r:id="rId3"/>
-    <p:sldId id="258" r:id="rId4"/>
-    <p:sldId id="259" r:id="rId5"/>
-    <p:sldId id="260" r:id="rId6"/>
-    <p:sldId id="261" r:id="rId7"/>
+    <p:sldId id="262" r:id="rId3"/>
+    <p:sldId id="257" r:id="rId4"/>
+    <p:sldId id="258" r:id="rId5"/>
+    <p:sldId id="259" r:id="rId6"/>
+    <p:sldId id="260" r:id="rId7"/>
+    <p:sldId id="261" r:id="rId8"/>
   </p:sldIdLst>
   <p:sldSz cx="12192000" cy="6858000"/>
   <p:notesSz cx="6858000" cy="9144000"/>
@@ -120,9 +121,157 @@
 <file path=ppt/revisionInfo.xml><?xml version="1.0" encoding="utf-8"?>
 <p1510:revInfo xmlns:a="http://schemas.openxmlformats.org/drawingml/2006/main" xmlns:r="http://schemas.openxmlformats.org/officeDocument/2006/relationships" xmlns:p1510="http://schemas.microsoft.com/office/powerpoint/2015/10/main">
   <p1510:revLst>
+    <p1510:client id="{8CF94AF3-5D94-4A37-A6A7-96C066386CCD}" v="20" dt="2024-12-18T14:50:12.242"/>
     <p1510:client id="{CC9BCDF5-8847-420C-9136-9BE50EAD14D8}" v="86" dt="2024-12-17T16:47:45.970"/>
   </p1510:revLst>
 </p1510:revInfo>
+</file>
+
+<file path=ppt/changesInfos/changesInfo1.xml><?xml version="1.0" encoding="utf-8"?>
+<pc:chgInfo xmlns:a="http://schemas.openxmlformats.org/drawingml/2006/main" xmlns:r="http://schemas.openxmlformats.org/officeDocument/2006/relationships" xmlns:ac="http://schemas.microsoft.com/office/drawing/2013/main/command" xmlns:pc="http://schemas.microsoft.com/office/powerpoint/2013/main/command">
+  <pc:docChgLst>
+    <pc:chgData name="marco fuchs" userId="f160d606c76b2505" providerId="LiveId" clId="{8CF94AF3-5D94-4A37-A6A7-96C066386CCD}"/>
+    <pc:docChg chg="custSel addSld modSld">
+      <pc:chgData name="marco fuchs" userId="f160d606c76b2505" providerId="LiveId" clId="{8CF94AF3-5D94-4A37-A6A7-96C066386CCD}" dt="2024-12-18T14:50:12.242" v="370" actId="20577"/>
+      <pc:docMkLst>
+        <pc:docMk/>
+      </pc:docMkLst>
+      <pc:sldChg chg="addSp delSp modSp mod modAnim">
+        <pc:chgData name="marco fuchs" userId="f160d606c76b2505" providerId="LiveId" clId="{8CF94AF3-5D94-4A37-A6A7-96C066386CCD}" dt="2024-12-18T14:45:37.867" v="29" actId="26606"/>
+        <pc:sldMkLst>
+          <pc:docMk/>
+          <pc:sldMk cId="1530121380" sldId="256"/>
+        </pc:sldMkLst>
+        <pc:spChg chg="mod">
+          <ac:chgData name="marco fuchs" userId="f160d606c76b2505" providerId="LiveId" clId="{8CF94AF3-5D94-4A37-A6A7-96C066386CCD}" dt="2024-12-18T14:45:37.867" v="29" actId="26606"/>
+          <ac:spMkLst>
+            <pc:docMk/>
+            <pc:sldMk cId="1530121380" sldId="256"/>
+            <ac:spMk id="2" creationId="{84F4C6E2-43D1-B329-10E0-E581795D2FD3}"/>
+          </ac:spMkLst>
+        </pc:spChg>
+        <pc:spChg chg="mod">
+          <ac:chgData name="marco fuchs" userId="f160d606c76b2505" providerId="LiveId" clId="{8CF94AF3-5D94-4A37-A6A7-96C066386CCD}" dt="2024-12-18T14:45:37.867" v="29" actId="26606"/>
+          <ac:spMkLst>
+            <pc:docMk/>
+            <pc:sldMk cId="1530121380" sldId="256"/>
+            <ac:spMk id="3" creationId="{F98C7357-A374-6855-0D39-7BAA3533FD43}"/>
+          </ac:spMkLst>
+        </pc:spChg>
+        <pc:spChg chg="add mod">
+          <ac:chgData name="marco fuchs" userId="f160d606c76b2505" providerId="LiveId" clId="{8CF94AF3-5D94-4A37-A6A7-96C066386CCD}" dt="2024-12-18T14:44:52.974" v="21" actId="20577"/>
+          <ac:spMkLst>
+            <pc:docMk/>
+            <pc:sldMk cId="1530121380" sldId="256"/>
+            <ac:spMk id="5" creationId="{4ED5F891-993B-0E94-E04D-5A366365D3A4}"/>
+          </ac:spMkLst>
+        </pc:spChg>
+        <pc:spChg chg="add mod">
+          <ac:chgData name="marco fuchs" userId="f160d606c76b2505" providerId="LiveId" clId="{8CF94AF3-5D94-4A37-A6A7-96C066386CCD}" dt="2024-12-18T14:45:33.411" v="28" actId="20577"/>
+          <ac:spMkLst>
+            <pc:docMk/>
+            <pc:sldMk cId="1530121380" sldId="256"/>
+            <ac:spMk id="6" creationId="{B13AF8AA-E07A-E190-77F8-E94740D03272}"/>
+          </ac:spMkLst>
+        </pc:spChg>
+        <pc:spChg chg="del">
+          <ac:chgData name="marco fuchs" userId="f160d606c76b2505" providerId="LiveId" clId="{8CF94AF3-5D94-4A37-A6A7-96C066386CCD}" dt="2024-12-18T14:42:30.115" v="0" actId="26606"/>
+          <ac:spMkLst>
+            <pc:docMk/>
+            <pc:sldMk cId="1530121380" sldId="256"/>
+            <ac:spMk id="33" creationId="{9C51935E-4A08-4AE4-8E13-F40CD3C4F1C4}"/>
+          </ac:spMkLst>
+        </pc:spChg>
+        <pc:spChg chg="del">
+          <ac:chgData name="marco fuchs" userId="f160d606c76b2505" providerId="LiveId" clId="{8CF94AF3-5D94-4A37-A6A7-96C066386CCD}" dt="2024-12-18T14:42:30.115" v="0" actId="26606"/>
+          <ac:spMkLst>
+            <pc:docMk/>
+            <pc:sldMk cId="1530121380" sldId="256"/>
+            <ac:spMk id="47" creationId="{8CED433A-4441-4EF2-A360-2D5C19C7F3CD}"/>
+          </ac:spMkLst>
+        </pc:spChg>
+        <pc:grpChg chg="del">
+          <ac:chgData name="marco fuchs" userId="f160d606c76b2505" providerId="LiveId" clId="{8CF94AF3-5D94-4A37-A6A7-96C066386CCD}" dt="2024-12-18T14:42:30.115" v="0" actId="26606"/>
+          <ac:grpSpMkLst>
+            <pc:docMk/>
+            <pc:sldMk cId="1530121380" sldId="256"/>
+            <ac:grpSpMk id="35" creationId="{6E2935B3-43F9-4F49-AEEE-A09015DDFF57}"/>
+          </ac:grpSpMkLst>
+        </pc:grpChg>
+        <pc:grpChg chg="del">
+          <ac:chgData name="marco fuchs" userId="f160d606c76b2505" providerId="LiveId" clId="{8CF94AF3-5D94-4A37-A6A7-96C066386CCD}" dt="2024-12-18T14:42:30.115" v="0" actId="26606"/>
+          <ac:grpSpMkLst>
+            <pc:docMk/>
+            <pc:sldMk cId="1530121380" sldId="256"/>
+            <ac:grpSpMk id="49" creationId="{614A0AA1-C9DD-452F-AF3C-8231C0CD8325}"/>
+          </ac:grpSpMkLst>
+        </pc:grpChg>
+        <pc:grpChg chg="add del">
+          <ac:chgData name="marco fuchs" userId="f160d606c76b2505" providerId="LiveId" clId="{8CF94AF3-5D94-4A37-A6A7-96C066386CCD}" dt="2024-12-18T14:45:37.867" v="29" actId="26606"/>
+          <ac:grpSpMkLst>
+            <pc:docMk/>
+            <pc:sldMk cId="1530121380" sldId="256"/>
+            <ac:grpSpMk id="57" creationId="{67186895-7DAD-4EEE-BF1A-CC36B9426A43}"/>
+          </ac:grpSpMkLst>
+        </pc:grpChg>
+        <pc:grpChg chg="add">
+          <ac:chgData name="marco fuchs" userId="f160d606c76b2505" providerId="LiveId" clId="{8CF94AF3-5D94-4A37-A6A7-96C066386CCD}" dt="2024-12-18T14:45:37.867" v="29" actId="26606"/>
+          <ac:grpSpMkLst>
+            <pc:docMk/>
+            <pc:sldMk cId="1530121380" sldId="256"/>
+            <ac:grpSpMk id="72" creationId="{5697E9DF-ECF5-4EA6-8E3F-160752B8892D}"/>
+          </ac:grpSpMkLst>
+        </pc:grpChg>
+        <pc:picChg chg="mod ord">
+          <ac:chgData name="marco fuchs" userId="f160d606c76b2505" providerId="LiveId" clId="{8CF94AF3-5D94-4A37-A6A7-96C066386CCD}" dt="2024-12-18T14:45:37.867" v="29" actId="26606"/>
+          <ac:picMkLst>
+            <pc:docMk/>
+            <pc:sldMk cId="1530121380" sldId="256"/>
+            <ac:picMk id="4" creationId="{0D85E699-0F56-80AA-D376-2A61F39ACA75}"/>
+          </ac:picMkLst>
+        </pc:picChg>
+      </pc:sldChg>
+      <pc:sldChg chg="modSp">
+        <pc:chgData name="marco fuchs" userId="f160d606c76b2505" providerId="LiveId" clId="{8CF94AF3-5D94-4A37-A6A7-96C066386CCD}" dt="2024-12-18T14:50:12.242" v="370" actId="20577"/>
+        <pc:sldMkLst>
+          <pc:docMk/>
+          <pc:sldMk cId="3682139821" sldId="260"/>
+        </pc:sldMkLst>
+        <pc:spChg chg="mod">
+          <ac:chgData name="marco fuchs" userId="f160d606c76b2505" providerId="LiveId" clId="{8CF94AF3-5D94-4A37-A6A7-96C066386CCD}" dt="2024-12-18T14:50:12.242" v="370" actId="20577"/>
+          <ac:spMkLst>
+            <pc:docMk/>
+            <pc:sldMk cId="3682139821" sldId="260"/>
+            <ac:spMk id="59" creationId="{C2814A92-EFA6-0D97-35DD-98AA4CAAE10D}"/>
+          </ac:spMkLst>
+        </pc:spChg>
+      </pc:sldChg>
+      <pc:sldChg chg="modSp new mod">
+        <pc:chgData name="marco fuchs" userId="f160d606c76b2505" providerId="LiveId" clId="{8CF94AF3-5D94-4A37-A6A7-96C066386CCD}" dt="2024-12-18T14:48:39.775" v="368" actId="20577"/>
+        <pc:sldMkLst>
+          <pc:docMk/>
+          <pc:sldMk cId="2978705420" sldId="262"/>
+        </pc:sldMkLst>
+        <pc:spChg chg="mod">
+          <ac:chgData name="marco fuchs" userId="f160d606c76b2505" providerId="LiveId" clId="{8CF94AF3-5D94-4A37-A6A7-96C066386CCD}" dt="2024-12-18T14:46:10.143" v="60" actId="313"/>
+          <ac:spMkLst>
+            <pc:docMk/>
+            <pc:sldMk cId="2978705420" sldId="262"/>
+            <ac:spMk id="2" creationId="{AA15203C-4268-07C5-B248-95EC2B822B76}"/>
+          </ac:spMkLst>
+        </pc:spChg>
+        <pc:spChg chg="mod">
+          <ac:chgData name="marco fuchs" userId="f160d606c76b2505" providerId="LiveId" clId="{8CF94AF3-5D94-4A37-A6A7-96C066386CCD}" dt="2024-12-18T14:48:39.775" v="368" actId="20577"/>
+          <ac:spMkLst>
+            <pc:docMk/>
+            <pc:sldMk cId="2978705420" sldId="262"/>
+            <ac:spMk id="3" creationId="{68304453-BF0F-7C42-2430-3C7A2EDB533B}"/>
+          </ac:spMkLst>
+        </pc:spChg>
+      </pc:sldChg>
+    </pc:docChg>
+  </pc:docChgLst>
+</pc:chgInfo>
 </file>
 
 <file path=ppt/slideLayouts/slideLayout1.xml><?xml version="1.0" encoding="utf-8"?>
@@ -930,7 +1079,7 @@
           <a:p>
             <a:fld id="{7CF0BCE0-945C-4FDF-95A1-2149B1FF5B83}" type="datetimeFigureOut">
               <a:rPr lang="en-US" smtClean="0"/>
-              <a:t>12/17/2024</a:t>
+              <a:t>12/18/2024</a:t>
             </a:fld>
             <a:endParaRPr lang="en-US"/>
           </a:p>
@@ -1657,7 +1806,7 @@
           <a:p>
             <a:fld id="{7CF0BCE0-945C-4FDF-95A1-2149B1FF5B83}" type="datetimeFigureOut">
               <a:rPr lang="en-US" smtClean="0"/>
-              <a:t>12/17/2024</a:t>
+              <a:t>12/18/2024</a:t>
             </a:fld>
             <a:endParaRPr lang="en-US"/>
           </a:p>
@@ -2530,7 +2679,7 @@
           <a:p>
             <a:fld id="{7CF0BCE0-945C-4FDF-95A1-2149B1FF5B83}" type="datetimeFigureOut">
               <a:rPr lang="en-US" smtClean="0"/>
-              <a:t>12/17/2024</a:t>
+              <a:t>12/18/2024</a:t>
             </a:fld>
             <a:endParaRPr lang="en-US"/>
           </a:p>
@@ -3234,7 +3383,7 @@
           <a:p>
             <a:fld id="{7CF0BCE0-945C-4FDF-95A1-2149B1FF5B83}" type="datetimeFigureOut">
               <a:rPr lang="en-US" smtClean="0"/>
-              <a:t>12/17/2024</a:t>
+              <a:t>12/18/2024</a:t>
             </a:fld>
             <a:endParaRPr lang="en-US"/>
           </a:p>
@@ -3944,7 +4093,7 @@
           <a:p>
             <a:fld id="{7CF0BCE0-945C-4FDF-95A1-2149B1FF5B83}" type="datetimeFigureOut">
               <a:rPr lang="en-US" smtClean="0"/>
-              <a:t>12/17/2024</a:t>
+              <a:t>12/18/2024</a:t>
             </a:fld>
             <a:endParaRPr lang="en-US" dirty="0"/>
           </a:p>
@@ -4881,7 +5030,7 @@
           <a:p>
             <a:fld id="{7CF0BCE0-945C-4FDF-95A1-2149B1FF5B83}" type="datetimeFigureOut">
               <a:rPr lang="en-US" smtClean="0"/>
-              <a:t>12/17/2024</a:t>
+              <a:t>12/18/2024</a:t>
             </a:fld>
             <a:endParaRPr lang="en-US"/>
           </a:p>
@@ -6101,7 +6250,7 @@
           <a:p>
             <a:fld id="{7CF0BCE0-945C-4FDF-95A1-2149B1FF5B83}" type="datetimeFigureOut">
               <a:rPr lang="en-US" smtClean="0"/>
-              <a:t>12/17/2024</a:t>
+              <a:t>12/18/2024</a:t>
             </a:fld>
             <a:endParaRPr lang="en-US"/>
           </a:p>
@@ -6767,7 +6916,7 @@
           <a:p>
             <a:fld id="{7CF0BCE0-945C-4FDF-95A1-2149B1FF5B83}" type="datetimeFigureOut">
               <a:rPr lang="en-US" smtClean="0"/>
-              <a:t>12/17/2024</a:t>
+              <a:t>12/18/2024</a:t>
             </a:fld>
             <a:endParaRPr lang="en-US"/>
           </a:p>
@@ -7536,7 +7685,7 @@
           <a:p>
             <a:fld id="{7CF0BCE0-945C-4FDF-95A1-2149B1FF5B83}" type="datetimeFigureOut">
               <a:rPr lang="en-US" smtClean="0"/>
-              <a:t>12/17/2024</a:t>
+              <a:t>12/18/2024</a:t>
             </a:fld>
             <a:endParaRPr lang="en-US"/>
           </a:p>
@@ -8648,7 +8797,7 @@
           <a:p>
             <a:fld id="{7CF0BCE0-945C-4FDF-95A1-2149B1FF5B83}" type="datetimeFigureOut">
               <a:rPr lang="en-US" smtClean="0"/>
-              <a:t>12/17/2024</a:t>
+              <a:t>12/18/2024</a:t>
             </a:fld>
             <a:endParaRPr lang="en-US"/>
           </a:p>
@@ -9456,7 +9605,7 @@
           <a:p>
             <a:fld id="{7CF0BCE0-945C-4FDF-95A1-2149B1FF5B83}" type="datetimeFigureOut">
               <a:rPr lang="en-US" smtClean="0"/>
-              <a:t>12/17/2024</a:t>
+              <a:t>12/18/2024</a:t>
             </a:fld>
             <a:endParaRPr lang="en-US"/>
           </a:p>
@@ -9740,7 +9889,7 @@
             <a:fld id="{7CF0BCE0-945C-4FDF-95A1-2149B1FF5B83}" type="datetimeFigureOut">
               <a:rPr lang="en-US" smtClean="0"/>
               <a:pPr algn="r"/>
-              <a:t>12/17/2024</a:t>
+              <a:t>12/18/2024</a:t>
             </a:fld>
             <a:endParaRPr lang="en-US" dirty="0"/>
           </a:p>
@@ -10121,88 +10270,43 @@
           <a:chExt cx="0" cy="0"/>
         </a:xfrm>
       </p:grpSpPr>
-      <p:sp useBgFill="1">
-        <p:nvSpPr>
-          <p:cNvPr id="33" name="Rectangle 32">
+      <p:pic>
+        <p:nvPicPr>
+          <p:cNvPr id="4" name="Imagen 3" descr="Calendario&#10;&#10;Descripción generada automáticamente con confianza baja">
             <a:extLst>
               <a:ext uri="{FF2B5EF4-FFF2-40B4-BE49-F238E27FC236}">
-                <a16:creationId xmlns:a16="http://schemas.microsoft.com/office/drawing/2014/main" id="{9C51935E-4A08-4AE4-8E13-F40CD3C4F1C4}"/>
-              </a:ext>
-              <a:ext uri="{C183D7F6-B498-43B3-948B-1728B52AA6E4}">
-                <adec:decorative xmlns:adec="http://schemas.microsoft.com/office/drawing/2017/decorative" val="1"/>
+                <a16:creationId xmlns:a16="http://schemas.microsoft.com/office/drawing/2014/main" id="{0D85E699-0F56-80AA-D376-2A61F39ACA75}"/>
               </a:ext>
             </a:extLst>
           </p:cNvPr>
-          <p:cNvSpPr>
-            <a:spLocks noGrp="1" noRot="1" noChangeAspect="1" noMove="1" noResize="1" noEditPoints="1" noAdjustHandles="1" noChangeArrowheads="1" noChangeShapeType="1" noTextEdit="1"/>
-          </p:cNvSpPr>
-          <p:nvPr>
-            <p:extLst>
-              <p:ext uri="{386F3935-93C4-4BCD-93E2-E3B085C9AB24}">
-                <p16:designElem xmlns:p16="http://schemas.microsoft.com/office/powerpoint/2015/main" val="1"/>
-              </p:ext>
-            </p:extLst>
-          </p:nvPr>
-        </p:nvSpPr>
+          <p:cNvPicPr>
+            <a:picLocks noChangeAspect="1"/>
+          </p:cNvPicPr>
+          <p:nvPr/>
+        </p:nvPicPr>
+        <p:blipFill>
+          <a:blip r:embed="rId2">
+            <a:alphaModFix/>
+          </a:blip>
+          <a:srcRect t="25494" r="1" b="18259"/>
+          <a:stretch/>
+        </p:blipFill>
         <p:spPr>
           <a:xfrm>
-            <a:off x="0" y="0"/>
-            <a:ext cx="12192000" cy="6858000"/>
+            <a:off x="-688" y="-4"/>
+            <a:ext cx="12192687" cy="6858000"/>
           </a:xfrm>
           <a:prstGeom prst="rect">
             <a:avLst/>
           </a:prstGeom>
-          <a:ln w="12700" cap="flat" cmpd="sng" algn="ctr">
-            <a:noFill/>
-            <a:prstDash val="solid"/>
-            <a:miter lim="800000"/>
-          </a:ln>
-          <a:effectLst/>
-          <a:extLst>
-            <a:ext uri="{91240B29-F687-4F45-9708-019B960494DF}">
-              <a14:hiddenLine xmlns:a14="http://schemas.microsoft.com/office/drawing/2010/main" w="12700" cap="flat" cmpd="sng" algn="ctr">
-                <a:solidFill>
-                  <a:schemeClr val="accent1">
-                    <a:shade val="50000"/>
-                  </a:schemeClr>
-                </a:solidFill>
-                <a:prstDash val="solid"/>
-                <a:miter lim="800000"/>
-              </a14:hiddenLine>
-            </a:ext>
-          </a:extLst>
         </p:spPr>
-        <p:style>
-          <a:lnRef idx="2">
-            <a:schemeClr val="accent1">
-              <a:shade val="50000"/>
-            </a:schemeClr>
-          </a:lnRef>
-          <a:fillRef idx="1">
-            <a:schemeClr val="accent1"/>
-          </a:fillRef>
-          <a:effectRef idx="0">
-            <a:schemeClr val="accent1"/>
-          </a:effectRef>
-          <a:fontRef idx="minor">
-            <a:schemeClr val="lt1"/>
-          </a:fontRef>
-        </p:style>
-        <p:txBody>
-          <a:bodyPr rtlCol="0" anchor="ctr"/>
-          <a:lstStyle/>
-          <a:p>
-            <a:pPr algn="ctr"/>
-            <a:endParaRPr lang="en-US"/>
-          </a:p>
-        </p:txBody>
-      </p:sp>
+      </p:pic>
       <p:grpSp>
         <p:nvGrpSpPr>
-          <p:cNvPr id="35" name="Group 34">
+          <p:cNvPr id="72" name="Group 71">
             <a:extLst>
               <a:ext uri="{FF2B5EF4-FFF2-40B4-BE49-F238E27FC236}">
-                <a16:creationId xmlns:a16="http://schemas.microsoft.com/office/drawing/2014/main" id="{6E2935B3-43F9-4F49-AEEE-A09015DDFF57}"/>
+                <a16:creationId xmlns:a16="http://schemas.microsoft.com/office/drawing/2014/main" id="{5697E9DF-ECF5-4EA6-8E3F-160752B8892D}"/>
               </a:ext>
               <a:ext uri="{C183D7F6-B498-43B3-948B-1728B52AA6E4}">
                 <adec:decorative xmlns:adec="http://schemas.microsoft.com/office/drawing/2017/decorative" val="1"/>
@@ -10222,27 +10326,25 @@
         </p:nvGrpSpPr>
         <p:grpSpPr>
           <a:xfrm>
-            <a:off x="1" y="0"/>
-            <a:ext cx="12191999" cy="6861600"/>
-            <a:chOff x="1" y="0"/>
-            <a:chExt cx="12191999" cy="6861600"/>
+            <a:off x="-38101" y="549274"/>
+            <a:ext cx="12268203" cy="6308725"/>
+            <a:chOff x="-38101" y="549274"/>
+            <a:chExt cx="12268203" cy="6308725"/>
           </a:xfrm>
         </p:grpSpPr>
         <p:sp>
           <p:nvSpPr>
-            <p:cNvPr id="36" name="Rectangle 35">
+            <p:cNvPr id="73" name="Rectangle 72">
               <a:extLst>
                 <a:ext uri="{FF2B5EF4-FFF2-40B4-BE49-F238E27FC236}">
-                  <a16:creationId xmlns:a16="http://schemas.microsoft.com/office/drawing/2014/main" id="{823C3E9F-031F-4D06-B2D1-FBDE7797AECC}"/>
+                  <a16:creationId xmlns:a16="http://schemas.microsoft.com/office/drawing/2014/main" id="{1DCAAB57-774B-4C3C-B2E2-9BA99870453D}"/>
                 </a:ext>
                 <a:ext uri="{C183D7F6-B498-43B3-948B-1728B52AA6E4}">
                   <adec:decorative xmlns:adec="http://schemas.microsoft.com/office/drawing/2017/decorative" val="1"/>
                 </a:ext>
               </a:extLst>
             </p:cNvPr>
-            <p:cNvSpPr>
-              <a:spLocks noChangeAspect="1"/>
-            </p:cNvSpPr>
+            <p:cNvSpPr/>
             <p:nvPr>
               <p:extLst>
                 <p:ext uri="{386F3935-93C4-4BCD-93E2-E3B085C9AB24}">
@@ -10252,22 +10354,27 @@
             </p:nvPr>
           </p:nvSpPr>
           <p:spPr>
-            <a:xfrm rot="16200000">
-              <a:off x="1" y="1640114"/>
-              <a:ext cx="5217886" cy="5217886"/>
+            <a:xfrm rot="10800000" flipH="1">
+              <a:off x="6096001" y="549274"/>
+              <a:ext cx="6096599" cy="6308723"/>
             </a:xfrm>
             <a:prstGeom prst="rect">
               <a:avLst/>
             </a:prstGeom>
             <a:gradFill flip="none" rotWithShape="1">
               <a:gsLst>
-                <a:gs pos="0">
-                  <a:schemeClr val="accent2">
+                <a:gs pos="30000">
+                  <a:schemeClr val="bg1">
                     <a:alpha val="60000"/>
                   </a:schemeClr>
                 </a:gs>
-                <a:gs pos="60000">
-                  <a:schemeClr val="accent2">
+                <a:gs pos="0">
+                  <a:schemeClr val="bg1">
+                    <a:alpha val="80000"/>
+                  </a:schemeClr>
+                </a:gs>
+                <a:gs pos="70000">
+                  <a:schemeClr val="bg1">
                     <a:alpha val="0"/>
                   </a:schemeClr>
                 </a:gs>
@@ -10305,25 +10412,23 @@
             <a:lstStyle/>
             <a:p>
               <a:pPr algn="ctr"/>
-              <a:endParaRPr lang="en-US"/>
+              <a:endParaRPr lang="en-US" dirty="0"/>
             </a:p>
           </p:txBody>
         </p:sp>
         <p:sp>
           <p:nvSpPr>
-            <p:cNvPr id="37" name="Oval 36">
+            <p:cNvPr id="74" name="Rectangle 73">
               <a:extLst>
                 <a:ext uri="{FF2B5EF4-FFF2-40B4-BE49-F238E27FC236}">
-                  <a16:creationId xmlns:a16="http://schemas.microsoft.com/office/drawing/2014/main" id="{AD6B24CB-2D97-4762-B34A-9FE40CECA824}"/>
+                  <a16:creationId xmlns:a16="http://schemas.microsoft.com/office/drawing/2014/main" id="{7069F6E5-0E1F-4324-B525-E896EE983D2A}"/>
                 </a:ext>
                 <a:ext uri="{C183D7F6-B498-43B3-948B-1728B52AA6E4}">
                   <adec:decorative xmlns:adec="http://schemas.microsoft.com/office/drawing/2017/decorative" val="1"/>
                 </a:ext>
               </a:extLst>
             </p:cNvPr>
-            <p:cNvSpPr>
-              <a:spLocks noChangeAspect="1"/>
-            </p:cNvSpPr>
+            <p:cNvSpPr/>
             <p:nvPr>
               <p:extLst>
                 <p:ext uri="{386F3935-93C4-4BCD-93E2-E3B085C9AB24}">
@@ -10333,92 +10438,42 @@
             </p:nvPr>
           </p:nvSpPr>
           <p:spPr>
-            <a:xfrm>
-              <a:off x="6384514" y="0"/>
-              <a:ext cx="4320000" cy="4320000"/>
+            <a:xfrm rot="10800000">
+              <a:off x="-600" y="549274"/>
+              <a:ext cx="6096598" cy="6308723"/>
             </a:xfrm>
-            <a:prstGeom prst="ellipse">
+            <a:prstGeom prst="rect">
               <a:avLst/>
             </a:prstGeom>
-            <a:solidFill>
-              <a:schemeClr val="accent3">
-                <a:alpha val="96000"/>
-              </a:schemeClr>
-            </a:solidFill>
-            <a:ln>
+            <a:gradFill flip="none" rotWithShape="1">
+              <a:gsLst>
+                <a:gs pos="30000">
+                  <a:schemeClr val="bg1">
+                    <a:alpha val="60000"/>
+                  </a:schemeClr>
+                </a:gs>
+                <a:gs pos="0">
+                  <a:schemeClr val="bg1">
+                    <a:alpha val="80000"/>
+                  </a:schemeClr>
+                </a:gs>
+                <a:gs pos="70000">
+                  <a:schemeClr val="bg1">
+                    <a:alpha val="0"/>
+                  </a:schemeClr>
+                </a:gs>
+              </a:gsLst>
+              <a:path path="circle">
+                <a:fillToRect r="100000" b="100000"/>
+              </a:path>
+              <a:tileRect l="-100000" t="-100000"/>
+            </a:gradFill>
+            <a:ln w="12700" cap="flat" cmpd="sng" algn="ctr">
               <a:noFill/>
+              <a:prstDash val="solid"/>
+              <a:miter lim="800000"/>
             </a:ln>
-            <a:effectLst>
-              <a:softEdge rad="1016000"/>
-            </a:effectLst>
-          </p:spPr>
-          <p:style>
-            <a:lnRef idx="2">
-              <a:schemeClr val="accent1">
-                <a:shade val="50000"/>
-              </a:schemeClr>
-            </a:lnRef>
-            <a:fillRef idx="1">
-              <a:schemeClr val="accent1"/>
-            </a:fillRef>
-            <a:effectRef idx="0">
-              <a:schemeClr val="accent1"/>
-            </a:effectRef>
-            <a:fontRef idx="minor">
-              <a:schemeClr val="lt1"/>
-            </a:fontRef>
-          </p:style>
-          <p:txBody>
-            <a:bodyPr rtlCol="0" anchor="ctr"/>
-            <a:lstStyle/>
-            <a:p>
-              <a:pPr algn="ctr"/>
-              <a:endParaRPr lang="en-US"/>
-            </a:p>
-          </p:txBody>
-        </p:sp>
-        <p:sp>
-          <p:nvSpPr>
-            <p:cNvPr id="38" name="Oval 37">
-              <a:extLst>
-                <a:ext uri="{FF2B5EF4-FFF2-40B4-BE49-F238E27FC236}">
-                  <a16:creationId xmlns:a16="http://schemas.microsoft.com/office/drawing/2014/main" id="{72E85C82-5A92-4169-B806-F7A311C1C60E}"/>
-                </a:ext>
-                <a:ext uri="{C183D7F6-B498-43B3-948B-1728B52AA6E4}">
-                  <adec:decorative xmlns:adec="http://schemas.microsoft.com/office/drawing/2017/decorative" val="1"/>
-                </a:ext>
-              </a:extLst>
-            </p:cNvPr>
-            <p:cNvSpPr>
-              <a:spLocks noChangeAspect="1"/>
-            </p:cNvSpPr>
-            <p:nvPr>
-              <p:extLst>
-                <p:ext uri="{386F3935-93C4-4BCD-93E2-E3B085C9AB24}">
-                  <p16:designElem xmlns:p16="http://schemas.microsoft.com/office/powerpoint/2015/main" val="1"/>
-                </p:ext>
-              </p:extLst>
-            </p:nvPr>
-          </p:nvSpPr>
-          <p:spPr>
-            <a:xfrm>
-              <a:off x="6119057" y="1230054"/>
-              <a:ext cx="5506886" cy="5506886"/>
-            </a:xfrm>
-            <a:prstGeom prst="ellipse">
-              <a:avLst/>
-            </a:prstGeom>
-            <a:solidFill>
-              <a:schemeClr val="accent2">
-                <a:alpha val="60000"/>
-              </a:schemeClr>
-            </a:solidFill>
-            <a:ln>
-              <a:noFill/>
-            </a:ln>
-            <a:effectLst>
-              <a:softEdge rad="1270000"/>
-            </a:effectLst>
+            <a:effectLst/>
           </p:spPr>
           <p:style>
             <a:lnRef idx="2">
@@ -10447,19 +10502,17 @@
         </p:sp>
         <p:grpSp>
           <p:nvGrpSpPr>
-            <p:cNvPr id="39" name="Group 38">
+            <p:cNvPr id="75" name="Group 74">
               <a:extLst>
                 <a:ext uri="{FF2B5EF4-FFF2-40B4-BE49-F238E27FC236}">
-                  <a16:creationId xmlns:a16="http://schemas.microsoft.com/office/drawing/2014/main" id="{536DD679-1C6F-4F84-9CA0-27B1ABCFD7D1}"/>
+                  <a16:creationId xmlns:a16="http://schemas.microsoft.com/office/drawing/2014/main" id="{FDAFA65F-5ED6-4A79-9C73-A1DE583C1A8A}"/>
                 </a:ext>
                 <a:ext uri="{C183D7F6-B498-43B3-948B-1728B52AA6E4}">
                   <adec:decorative xmlns:adec="http://schemas.microsoft.com/office/drawing/2017/decorative" val="1"/>
                 </a:ext>
               </a:extLst>
             </p:cNvPr>
-            <p:cNvGrpSpPr>
-              <a:grpSpLocks noChangeAspect="1"/>
-            </p:cNvGrpSpPr>
+            <p:cNvGrpSpPr/>
             <p:nvPr>
               <p:extLst>
                 <p:ext uri="{386F3935-93C4-4BCD-93E2-E3B085C9AB24}">
@@ -10469,19 +10522,207 @@
             </p:nvPr>
           </p:nvGrpSpPr>
           <p:grpSpPr>
-            <a:xfrm>
-              <a:off x="690092" y="0"/>
-              <a:ext cx="10800000" cy="6858000"/>
-              <a:chOff x="2328000" y="0"/>
-              <a:chExt cx="2880000" cy="1440000"/>
+            <a:xfrm rot="10800000">
+              <a:off x="-38101" y="1990722"/>
+              <a:ext cx="12268200" cy="4867276"/>
+              <a:chOff x="3" y="1"/>
+              <a:chExt cx="12268200" cy="4867276"/>
             </a:xfrm>
           </p:grpSpPr>
           <p:sp>
             <p:nvSpPr>
-              <p:cNvPr id="44" name="Rectangle 43">
+              <p:cNvPr id="82" name="Rectangle 81">
                 <a:extLst>
                   <a:ext uri="{FF2B5EF4-FFF2-40B4-BE49-F238E27FC236}">
-                    <a16:creationId xmlns:a16="http://schemas.microsoft.com/office/drawing/2014/main" id="{90EBB60D-86C6-45E0-AB7B-8C952FEBDD97}"/>
+                    <a16:creationId xmlns:a16="http://schemas.microsoft.com/office/drawing/2014/main" id="{ED04940F-1A28-47CA-BC85-5D0FA90768DB}"/>
+                  </a:ext>
+                  <a:ext uri="{C183D7F6-B498-43B3-948B-1728B52AA6E4}">
+                    <adec:decorative xmlns:adec="http://schemas.microsoft.com/office/drawing/2017/decorative" val="1"/>
+                  </a:ext>
+                </a:extLst>
+              </p:cNvPr>
+              <p:cNvSpPr/>
+              <p:nvPr>
+                <p:extLst>
+                  <p:ext uri="{386F3935-93C4-4BCD-93E2-E3B085C9AB24}">
+                    <p16:designElem xmlns:p16="http://schemas.microsoft.com/office/powerpoint/2015/main" val="1"/>
+                  </p:ext>
+                </p:extLst>
+              </p:nvPr>
+            </p:nvSpPr>
+            <p:spPr>
+              <a:xfrm rot="5400000">
+                <a:off x="633687" y="-633138"/>
+                <a:ext cx="4866731" cy="6134100"/>
+              </a:xfrm>
+              <a:prstGeom prst="rect">
+                <a:avLst/>
+              </a:prstGeom>
+              <a:gradFill flip="none" rotWithShape="1">
+                <a:gsLst>
+                  <a:gs pos="0">
+                    <a:schemeClr val="accent3">
+                      <a:alpha val="80000"/>
+                    </a:schemeClr>
+                  </a:gs>
+                  <a:gs pos="63000">
+                    <a:schemeClr val="accent3">
+                      <a:alpha val="0"/>
+                    </a:schemeClr>
+                  </a:gs>
+                </a:gsLst>
+                <a:path path="circle">
+                  <a:fillToRect r="100000" b="100000"/>
+                </a:path>
+                <a:tileRect l="-100000" t="-100000"/>
+              </a:gradFill>
+              <a:ln w="12700" cap="flat" cmpd="sng" algn="ctr">
+                <a:noFill/>
+                <a:prstDash val="solid"/>
+                <a:miter lim="800000"/>
+              </a:ln>
+              <a:effectLst/>
+            </p:spPr>
+            <p:style>
+              <a:lnRef idx="2">
+                <a:schemeClr val="accent1">
+                  <a:shade val="50000"/>
+                </a:schemeClr>
+              </a:lnRef>
+              <a:fillRef idx="1">
+                <a:schemeClr val="accent1"/>
+              </a:fillRef>
+              <a:effectRef idx="0">
+                <a:schemeClr val="accent1"/>
+              </a:effectRef>
+              <a:fontRef idx="minor">
+                <a:schemeClr val="lt1"/>
+              </a:fontRef>
+            </p:style>
+            <p:txBody>
+              <a:bodyPr rtlCol="0" anchor="ctr"/>
+              <a:lstStyle/>
+              <a:p>
+                <a:pPr algn="ctr"/>
+                <a:endParaRPr lang="en-US" dirty="0"/>
+              </a:p>
+            </p:txBody>
+          </p:sp>
+          <p:sp>
+            <p:nvSpPr>
+              <p:cNvPr id="83" name="Rectangle 82">
+                <a:extLst>
+                  <a:ext uri="{FF2B5EF4-FFF2-40B4-BE49-F238E27FC236}">
+                    <a16:creationId xmlns:a16="http://schemas.microsoft.com/office/drawing/2014/main" id="{DF2264D0-1772-4B5C-A1F5-C000597317F9}"/>
+                  </a:ext>
+                  <a:ext uri="{C183D7F6-B498-43B3-948B-1728B52AA6E4}">
+                    <adec:decorative xmlns:adec="http://schemas.microsoft.com/office/drawing/2017/decorative" val="1"/>
+                  </a:ext>
+                </a:extLst>
+              </p:cNvPr>
+              <p:cNvSpPr/>
+              <p:nvPr>
+                <p:extLst>
+                  <p:ext uri="{386F3935-93C4-4BCD-93E2-E3B085C9AB24}">
+                    <p16:designElem xmlns:p16="http://schemas.microsoft.com/office/powerpoint/2015/main" val="1"/>
+                  </p:ext>
+                </p:extLst>
+              </p:nvPr>
+            </p:nvSpPr>
+            <p:spPr>
+              <a:xfrm rot="5400000" flipV="1">
+                <a:off x="6767787" y="-633683"/>
+                <a:ext cx="4866731" cy="6134100"/>
+              </a:xfrm>
+              <a:prstGeom prst="rect">
+                <a:avLst/>
+              </a:prstGeom>
+              <a:gradFill flip="none" rotWithShape="1">
+                <a:gsLst>
+                  <a:gs pos="0">
+                    <a:schemeClr val="accent3">
+                      <a:alpha val="80000"/>
+                    </a:schemeClr>
+                  </a:gs>
+                  <a:gs pos="63000">
+                    <a:schemeClr val="accent3">
+                      <a:alpha val="0"/>
+                    </a:schemeClr>
+                  </a:gs>
+                </a:gsLst>
+                <a:path path="circle">
+                  <a:fillToRect r="100000" b="100000"/>
+                </a:path>
+                <a:tileRect l="-100000" t="-100000"/>
+              </a:gradFill>
+              <a:ln w="12700" cap="flat" cmpd="sng" algn="ctr">
+                <a:noFill/>
+                <a:prstDash val="solid"/>
+                <a:miter lim="800000"/>
+              </a:ln>
+              <a:effectLst/>
+            </p:spPr>
+            <p:style>
+              <a:lnRef idx="2">
+                <a:schemeClr val="accent1">
+                  <a:shade val="50000"/>
+                </a:schemeClr>
+              </a:lnRef>
+              <a:fillRef idx="1">
+                <a:schemeClr val="accent1"/>
+              </a:fillRef>
+              <a:effectRef idx="0">
+                <a:schemeClr val="accent1"/>
+              </a:effectRef>
+              <a:fontRef idx="minor">
+                <a:schemeClr val="lt1"/>
+              </a:fontRef>
+            </p:style>
+            <p:txBody>
+              <a:bodyPr rtlCol="0" anchor="ctr"/>
+              <a:lstStyle/>
+              <a:p>
+                <a:pPr algn="ctr"/>
+                <a:endParaRPr lang="en-US" dirty="0"/>
+              </a:p>
+            </p:txBody>
+          </p:sp>
+        </p:grpSp>
+        <p:grpSp>
+          <p:nvGrpSpPr>
+            <p:cNvPr id="76" name="Group 75">
+              <a:extLst>
+                <a:ext uri="{FF2B5EF4-FFF2-40B4-BE49-F238E27FC236}">
+                  <a16:creationId xmlns:a16="http://schemas.microsoft.com/office/drawing/2014/main" id="{926BB5ED-C44B-4E3E-9A5D-18228C0199FC}"/>
+                </a:ext>
+                <a:ext uri="{C183D7F6-B498-43B3-948B-1728B52AA6E4}">
+                  <adec:decorative xmlns:adec="http://schemas.microsoft.com/office/drawing/2017/decorative" val="1"/>
+                </a:ext>
+              </a:extLst>
+            </p:cNvPr>
+            <p:cNvGrpSpPr/>
+            <p:nvPr>
+              <p:extLst>
+                <p:ext uri="{386F3935-93C4-4BCD-93E2-E3B085C9AB24}">
+                  <p16:designElem xmlns:p16="http://schemas.microsoft.com/office/powerpoint/2015/main" val="1"/>
+                </p:ext>
+              </p:extLst>
+            </p:nvPr>
+          </p:nvGrpSpPr>
+          <p:grpSpPr>
+            <a:xfrm rot="10800000">
+              <a:off x="38104" y="3091890"/>
+              <a:ext cx="9515473" cy="3766109"/>
+              <a:chOff x="2676525" y="0"/>
+              <a:chExt cx="9515473" cy="3766109"/>
+            </a:xfrm>
+          </p:grpSpPr>
+          <p:sp>
+            <p:nvSpPr>
+              <p:cNvPr id="80" name="Rectangle 79">
+                <a:extLst>
+                  <a:ext uri="{FF2B5EF4-FFF2-40B4-BE49-F238E27FC236}">
+                    <a16:creationId xmlns:a16="http://schemas.microsoft.com/office/drawing/2014/main" id="{DD5A1916-1815-43F3-8E57-A5AD558BCAE7}"/>
                   </a:ext>
                   <a:ext uri="{C183D7F6-B498-43B3-948B-1728B52AA6E4}">
                     <adec:decorative xmlns:adec="http://schemas.microsoft.com/office/drawing/2017/decorative" val="1"/>
@@ -10499,8 +10740,8 @@
             </p:nvSpPr>
             <p:spPr>
               <a:xfrm>
-                <a:off x="3768000" y="0"/>
-                <a:ext cx="1440000" cy="1440000"/>
+                <a:off x="7434262" y="0"/>
+                <a:ext cx="4757736" cy="3766109"/>
               </a:xfrm>
               <a:prstGeom prst="rect">
                 <a:avLst/>
@@ -10508,7 +10749,9 @@
               <a:gradFill flip="none" rotWithShape="1">
                 <a:gsLst>
                   <a:gs pos="0">
-                    <a:schemeClr val="accent1"/>
+                    <a:schemeClr val="accent1">
+                      <a:alpha val="80000"/>
+                    </a:schemeClr>
                   </a:gs>
                   <a:gs pos="60000">
                     <a:schemeClr val="accent1">
@@ -10549,16 +10792,16 @@
               <a:lstStyle/>
               <a:p>
                 <a:pPr algn="ctr"/>
-                <a:endParaRPr lang="en-US"/>
+                <a:endParaRPr lang="en-US" dirty="0"/>
               </a:p>
             </p:txBody>
           </p:sp>
           <p:sp>
             <p:nvSpPr>
-              <p:cNvPr id="45" name="Rectangle 44">
+              <p:cNvPr id="81" name="Rectangle 80">
                 <a:extLst>
                   <a:ext uri="{FF2B5EF4-FFF2-40B4-BE49-F238E27FC236}">
-                    <a16:creationId xmlns:a16="http://schemas.microsoft.com/office/drawing/2014/main" id="{E06710FE-8C5F-4C9D-AF9E-1A7CDAE4C67E}"/>
+                    <a16:creationId xmlns:a16="http://schemas.microsoft.com/office/drawing/2014/main" id="{1C758D1E-62C7-4EF3-824F-C2542D216F12}"/>
                   </a:ext>
                   <a:ext uri="{C183D7F6-B498-43B3-948B-1728B52AA6E4}">
                     <adec:decorative xmlns:adec="http://schemas.microsoft.com/office/drawing/2017/decorative" val="1"/>
@@ -10576,8 +10819,8 @@
             </p:nvSpPr>
             <p:spPr>
               <a:xfrm flipH="1">
-                <a:off x="2328000" y="0"/>
-                <a:ext cx="1440000" cy="1440000"/>
+                <a:off x="2676525" y="0"/>
+                <a:ext cx="4757736" cy="3766109"/>
               </a:xfrm>
               <a:prstGeom prst="rect">
                 <a:avLst/>
@@ -10585,7 +10828,9 @@
               <a:gradFill flip="none" rotWithShape="1">
                 <a:gsLst>
                   <a:gs pos="0">
-                    <a:schemeClr val="accent1"/>
+                    <a:schemeClr val="accent1">
+                      <a:alpha val="80000"/>
+                    </a:schemeClr>
                   </a:gs>
                   <a:gs pos="60000">
                     <a:schemeClr val="accent1">
@@ -10626,26 +10871,24 @@
               <a:lstStyle/>
               <a:p>
                 <a:pPr algn="ctr"/>
-                <a:endParaRPr lang="en-US"/>
+                <a:endParaRPr lang="en-US" dirty="0"/>
               </a:p>
             </p:txBody>
           </p:sp>
         </p:grpSp>
         <p:grpSp>
           <p:nvGrpSpPr>
-            <p:cNvPr id="40" name="Group 39">
+            <p:cNvPr id="77" name="Group 76">
               <a:extLst>
                 <a:ext uri="{FF2B5EF4-FFF2-40B4-BE49-F238E27FC236}">
-                  <a16:creationId xmlns:a16="http://schemas.microsoft.com/office/drawing/2014/main" id="{38556C1B-E283-4483-ACD0-2808A242AC15}"/>
+                  <a16:creationId xmlns:a16="http://schemas.microsoft.com/office/drawing/2014/main" id="{3A3AF6C1-825F-437D-BED2-DEF267D06FA2}"/>
                 </a:ext>
                 <a:ext uri="{C183D7F6-B498-43B3-948B-1728B52AA6E4}">
                   <adec:decorative xmlns:adec="http://schemas.microsoft.com/office/drawing/2017/decorative" val="1"/>
                 </a:ext>
               </a:extLst>
             </p:cNvPr>
-            <p:cNvGrpSpPr>
-              <a:grpSpLocks noChangeAspect="1"/>
-            </p:cNvGrpSpPr>
+            <p:cNvGrpSpPr/>
             <p:nvPr>
               <p:extLst>
                 <p:ext uri="{386F3935-93C4-4BCD-93E2-E3B085C9AB24}">
@@ -10655,19 +10898,19 @@
             </p:nvPr>
           </p:nvGrpSpPr>
           <p:grpSpPr>
-            <a:xfrm rot="5400000">
-              <a:off x="7048499" y="1714500"/>
-              <a:ext cx="6858000" cy="3429000"/>
+            <a:xfrm rot="10800000">
+              <a:off x="2714629" y="3091890"/>
+              <a:ext cx="9515473" cy="3766109"/>
               <a:chOff x="0" y="0"/>
-              <a:chExt cx="2880000" cy="1440000"/>
+              <a:chExt cx="9515473" cy="3766109"/>
             </a:xfrm>
           </p:grpSpPr>
           <p:sp>
             <p:nvSpPr>
-              <p:cNvPr id="42" name="Rectangle 41">
+              <p:cNvPr id="78" name="Rectangle 77">
                 <a:extLst>
                   <a:ext uri="{FF2B5EF4-FFF2-40B4-BE49-F238E27FC236}">
-                    <a16:creationId xmlns:a16="http://schemas.microsoft.com/office/drawing/2014/main" id="{6575218D-6500-488D-AB87-B8B426C1CC5A}"/>
+                    <a16:creationId xmlns:a16="http://schemas.microsoft.com/office/drawing/2014/main" id="{0E518F14-B231-4186-ADC0-8339580E8004}"/>
                   </a:ext>
                   <a:ext uri="{C183D7F6-B498-43B3-948B-1728B52AA6E4}">
                     <adec:decorative xmlns:adec="http://schemas.microsoft.com/office/drawing/2017/decorative" val="1"/>
@@ -10685,8 +10928,8 @@
             </p:nvSpPr>
             <p:spPr>
               <a:xfrm>
-                <a:off x="1440000" y="0"/>
-                <a:ext cx="1440000" cy="1440000"/>
+                <a:off x="4757737" y="0"/>
+                <a:ext cx="4757736" cy="3766109"/>
               </a:xfrm>
               <a:prstGeom prst="rect">
                 <a:avLst/>
@@ -10735,16 +10978,16 @@
               <a:lstStyle/>
               <a:p>
                 <a:pPr algn="ctr"/>
-                <a:endParaRPr lang="en-US"/>
+                <a:endParaRPr lang="en-US" dirty="0"/>
               </a:p>
             </p:txBody>
           </p:sp>
           <p:sp>
             <p:nvSpPr>
-              <p:cNvPr id="43" name="Rectangle 42">
+              <p:cNvPr id="79" name="Rectangle 78">
                 <a:extLst>
                   <a:ext uri="{FF2B5EF4-FFF2-40B4-BE49-F238E27FC236}">
-                    <a16:creationId xmlns:a16="http://schemas.microsoft.com/office/drawing/2014/main" id="{0859891A-F84B-4F49-B829-12D780F42780}"/>
+                    <a16:creationId xmlns:a16="http://schemas.microsoft.com/office/drawing/2014/main" id="{75A3C29F-2140-4EC1-B779-7A8D725B7310}"/>
                   </a:ext>
                   <a:ext uri="{C183D7F6-B498-43B3-948B-1728B52AA6E4}">
                     <adec:decorative xmlns:adec="http://schemas.microsoft.com/office/drawing/2017/decorative" val="1"/>
@@ -10763,7 +11006,7 @@
             <p:spPr>
               <a:xfrm flipH="1">
                 <a:off x="0" y="0"/>
-                <a:ext cx="1440000" cy="1440000"/>
+                <a:ext cx="4757736" cy="3766109"/>
               </a:xfrm>
               <a:prstGeom prst="rect">
                 <a:avLst/>
@@ -10812,174 +11055,12 @@
               <a:lstStyle/>
               <a:p>
                 <a:pPr algn="ctr"/>
-                <a:endParaRPr lang="en-US"/>
+                <a:endParaRPr lang="en-US" dirty="0"/>
               </a:p>
             </p:txBody>
           </p:sp>
         </p:grpSp>
-        <p:sp>
-          <p:nvSpPr>
-            <p:cNvPr id="41" name="Rectangle 40">
-              <a:extLst>
-                <a:ext uri="{FF2B5EF4-FFF2-40B4-BE49-F238E27FC236}">
-                  <a16:creationId xmlns:a16="http://schemas.microsoft.com/office/drawing/2014/main" id="{2A4DD948-16D9-47F3-880E-69BF40A2CFB1}"/>
-                </a:ext>
-                <a:ext uri="{C183D7F6-B498-43B3-948B-1728B52AA6E4}">
-                  <adec:decorative xmlns:adec="http://schemas.microsoft.com/office/drawing/2017/decorative" val="1"/>
-                </a:ext>
-              </a:extLst>
-            </p:cNvPr>
-            <p:cNvSpPr>
-              <a:spLocks noChangeAspect="1"/>
-            </p:cNvSpPr>
-            <p:nvPr>
-              <p:extLst>
-                <p:ext uri="{386F3935-93C4-4BCD-93E2-E3B085C9AB24}">
-                  <p16:designElem xmlns:p16="http://schemas.microsoft.com/office/powerpoint/2015/main" val="1"/>
-                </p:ext>
-              </p:extLst>
-            </p:nvPr>
-          </p:nvSpPr>
-          <p:spPr>
-            <a:xfrm rot="10800000">
-              <a:off x="5602287" y="271887"/>
-              <a:ext cx="6589713" cy="6589713"/>
-            </a:xfrm>
-            <a:prstGeom prst="rect">
-              <a:avLst/>
-            </a:prstGeom>
-            <a:gradFill flip="none" rotWithShape="1">
-              <a:gsLst>
-                <a:gs pos="0">
-                  <a:schemeClr val="accent3"/>
-                </a:gs>
-                <a:gs pos="60000">
-                  <a:schemeClr val="accent3">
-                    <a:alpha val="0"/>
-                  </a:schemeClr>
-                </a:gs>
-              </a:gsLst>
-              <a:path path="circle">
-                <a:fillToRect r="100000" b="100000"/>
-              </a:path>
-              <a:tileRect l="-100000" t="-100000"/>
-            </a:gradFill>
-            <a:ln w="12700" cap="flat" cmpd="sng" algn="ctr">
-              <a:noFill/>
-              <a:prstDash val="solid"/>
-              <a:miter lim="800000"/>
-            </a:ln>
-            <a:effectLst/>
-          </p:spPr>
-          <p:style>
-            <a:lnRef idx="2">
-              <a:schemeClr val="accent1">
-                <a:shade val="50000"/>
-              </a:schemeClr>
-            </a:lnRef>
-            <a:fillRef idx="1">
-              <a:schemeClr val="accent1"/>
-            </a:fillRef>
-            <a:effectRef idx="0">
-              <a:schemeClr val="accent1"/>
-            </a:effectRef>
-            <a:fontRef idx="minor">
-              <a:schemeClr val="lt1"/>
-            </a:fontRef>
-          </p:style>
-          <p:txBody>
-            <a:bodyPr rtlCol="0" anchor="ctr"/>
-            <a:lstStyle/>
-            <a:p>
-              <a:pPr algn="ctr"/>
-              <a:endParaRPr lang="en-US"/>
-            </a:p>
-          </p:txBody>
-        </p:sp>
       </p:grpSp>
-      <p:sp>
-        <p:nvSpPr>
-          <p:cNvPr id="47" name="Rectangle 46">
-            <a:extLst>
-              <a:ext uri="{FF2B5EF4-FFF2-40B4-BE49-F238E27FC236}">
-                <a16:creationId xmlns:a16="http://schemas.microsoft.com/office/drawing/2014/main" id="{8CED433A-4441-4EF2-A360-2D5C19C7F3CD}"/>
-              </a:ext>
-              <a:ext uri="{C183D7F6-B498-43B3-948B-1728B52AA6E4}">
-                <adec:decorative xmlns:adec="http://schemas.microsoft.com/office/drawing/2017/decorative" val="1"/>
-              </a:ext>
-            </a:extLst>
-          </p:cNvPr>
-          <p:cNvSpPr>
-            <a:spLocks noGrp="1" noRot="1" noChangeAspect="1" noMove="1" noResize="1" noEditPoints="1" noAdjustHandles="1" noChangeArrowheads="1" noChangeShapeType="1" noTextEdit="1"/>
-          </p:cNvSpPr>
-          <p:nvPr>
-            <p:extLst>
-              <p:ext uri="{386F3935-93C4-4BCD-93E2-E3B085C9AB24}">
-                <p16:designElem xmlns:p16="http://schemas.microsoft.com/office/powerpoint/2015/main" val="1"/>
-              </p:ext>
-            </p:extLst>
-          </p:nvPr>
-        </p:nvSpPr>
-        <p:spPr>
-          <a:xfrm flipH="1">
-            <a:off x="0" y="0"/>
-            <a:ext cx="12192000" cy="6858000"/>
-          </a:xfrm>
-          <a:prstGeom prst="rect">
-            <a:avLst/>
-          </a:prstGeom>
-          <a:gradFill flip="none" rotWithShape="1">
-            <a:gsLst>
-              <a:gs pos="0">
-                <a:schemeClr val="bg2">
-                  <a:alpha val="60000"/>
-                </a:schemeClr>
-              </a:gs>
-              <a:gs pos="37000">
-                <a:schemeClr val="bg2">
-                  <a:alpha val="60000"/>
-                </a:schemeClr>
-              </a:gs>
-              <a:gs pos="79000">
-                <a:schemeClr val="bg2">
-                  <a:alpha val="0"/>
-                </a:schemeClr>
-              </a:gs>
-            </a:gsLst>
-            <a:lin ang="0" scaled="1"/>
-            <a:tileRect/>
-          </a:gradFill>
-          <a:ln w="12700" cap="flat" cmpd="sng" algn="ctr">
-            <a:noFill/>
-            <a:prstDash val="solid"/>
-            <a:miter lim="800000"/>
-          </a:ln>
-          <a:effectLst/>
-        </p:spPr>
-        <p:style>
-          <a:lnRef idx="2">
-            <a:schemeClr val="accent1">
-              <a:shade val="50000"/>
-            </a:schemeClr>
-          </a:lnRef>
-          <a:fillRef idx="1">
-            <a:schemeClr val="accent1"/>
-          </a:fillRef>
-          <a:effectRef idx="0">
-            <a:schemeClr val="accent1"/>
-          </a:effectRef>
-          <a:fontRef idx="minor">
-            <a:schemeClr val="lt1"/>
-          </a:fontRef>
-        </p:style>
-        <p:txBody>
-          <a:bodyPr rtlCol="0" anchor="ctr"/>
-          <a:lstStyle/>
-          <a:p>
-            <a:endParaRPr lang="en-US" dirty="0"/>
-          </a:p>
-        </p:txBody>
-      </p:sp>
       <p:sp>
         <p:nvSpPr>
           <p:cNvPr id="2" name="Título 1">
@@ -10998,8 +11079,8 @@
         </p:nvSpPr>
         <p:spPr>
           <a:xfrm>
-            <a:off x="7140575" y="540000"/>
-            <a:ext cx="4500561" cy="4259814"/>
+            <a:off x="1487487" y="4327873"/>
+            <a:ext cx="9217026" cy="1210396"/>
           </a:xfrm>
         </p:spPr>
         <p:txBody>
@@ -11008,30 +11089,35 @@
           </a:bodyPr>
           <a:lstStyle/>
           <a:p>
-            <a:r>
-              <a:rPr lang="en-US" sz="4800" dirty="0" err="1"/>
-              <a:t>Partidos</a:t>
-            </a:r>
-            <a:r>
-              <a:rPr lang="en-US" sz="4800" dirty="0"/>
-              <a:t> </a:t>
-            </a:r>
-            <a:r>
-              <a:rPr lang="en-US" sz="4800" dirty="0" err="1"/>
-              <a:t>Internacionales</a:t>
-            </a:r>
-            <a:r>
-              <a:rPr lang="en-US" sz="4800" dirty="0"/>
-              <a:t> </a:t>
+            <a:pPr algn="ctr"/>
+            <a:r>
+              <a:rPr lang="en-US" sz="3800">
+                <a:solidFill>
+                  <a:srgbClr val="FFFFFF"/>
+                </a:solidFill>
+              </a:rPr>
+              <a:t>Partidos Internacionales </a:t>
             </a:r>
             <a:br>
-              <a:rPr lang="en-US" sz="4800" dirty="0"/>
+              <a:rPr lang="en-US" sz="3800">
+                <a:solidFill>
+                  <a:srgbClr val="FFFFFF"/>
+                </a:solidFill>
+              </a:rPr>
             </a:br>
             <a:r>
-              <a:rPr lang="en-US" sz="4800" dirty="0"/>
+              <a:rPr lang="en-US" sz="3800">
+                <a:solidFill>
+                  <a:srgbClr val="FFFFFF"/>
+                </a:solidFill>
+              </a:rPr>
               <a:t>1874-2024</a:t>
             </a:r>
-            <a:endParaRPr lang="es-ES" sz="4800" dirty="0"/>
+            <a:endParaRPr lang="es-ES" sz="3800">
+              <a:solidFill>
+                <a:srgbClr val="FFFFFF"/>
+              </a:solidFill>
+            </a:endParaRPr>
           </a:p>
         </p:txBody>
       </p:sp>
@@ -11053,8 +11139,8 @@
         </p:nvSpPr>
         <p:spPr>
           <a:xfrm>
-            <a:off x="7140575" y="4988476"/>
-            <a:ext cx="4500561" cy="1320249"/>
+            <a:off x="1487488" y="5717657"/>
+            <a:ext cx="9155112" cy="681725"/>
           </a:xfrm>
         </p:spPr>
         <p:txBody>
@@ -11063,320 +11149,443 @@
           </a:bodyPr>
           <a:lstStyle/>
           <a:p>
-            <a:r>
-              <a:rPr lang="en-US" dirty="0"/>
-              <a:t>Analisis </a:t>
-            </a:r>
-            <a:r>
-              <a:rPr lang="en-US" dirty="0" err="1"/>
+            <a:pPr algn="ctr"/>
+            <a:r>
+              <a:rPr lang="en-US">
+                <a:solidFill>
+                  <a:srgbClr val="FFFFFF"/>
+                </a:solidFill>
+              </a:rPr>
+              <a:t>Analisis</a:t>
+            </a:r>
+            <a:r>
+              <a:rPr lang="en-US" dirty="0">
+                <a:solidFill>
+                  <a:srgbClr val="FFFFFF"/>
+                </a:solidFill>
+              </a:rPr>
+              <a:t> </a:t>
+            </a:r>
+            <a:r>
+              <a:rPr lang="en-US">
+                <a:solidFill>
+                  <a:srgbClr val="FFFFFF"/>
+                </a:solidFill>
+              </a:rPr>
               <a:t>por</a:t>
             </a:r>
             <a:r>
-              <a:rPr lang="en-US" dirty="0"/>
+              <a:rPr lang="en-US" dirty="0">
+                <a:solidFill>
+                  <a:srgbClr val="FFFFFF"/>
+                </a:solidFill>
+              </a:rPr>
               <a:t> Marco Fuchs</a:t>
             </a:r>
-            <a:endParaRPr lang="es-ES" dirty="0"/>
+            <a:endParaRPr lang="es-ES">
+              <a:solidFill>
+                <a:srgbClr val="FFFFFF"/>
+              </a:solidFill>
+            </a:endParaRPr>
           </a:p>
         </p:txBody>
       </p:sp>
-      <p:grpSp>
-        <p:nvGrpSpPr>
-          <p:cNvPr id="49" name="Group 48">
+      <p:sp>
+        <p:nvSpPr>
+          <p:cNvPr id="5" name="Content Placeholder 57">
             <a:extLst>
               <a:ext uri="{FF2B5EF4-FFF2-40B4-BE49-F238E27FC236}">
-                <a16:creationId xmlns:a16="http://schemas.microsoft.com/office/drawing/2014/main" id="{614A0AA1-C9DD-452F-AF3C-8231C0CD8325}"/>
-              </a:ext>
-              <a:ext uri="{C183D7F6-B498-43B3-948B-1728B52AA6E4}">
-                <adec:decorative xmlns:adec="http://schemas.microsoft.com/office/drawing/2017/decorative" val="1"/>
+                <a16:creationId xmlns:a16="http://schemas.microsoft.com/office/drawing/2014/main" id="{4ED5F891-993B-0E94-E04D-5A366365D3A4}"/>
               </a:ext>
             </a:extLst>
           </p:cNvPr>
-          <p:cNvGrpSpPr>
-            <a:grpSpLocks noGrp="1" noUngrp="1" noRot="1" noChangeAspect="1" noMove="1" noResize="1"/>
-          </p:cNvGrpSpPr>
-          <p:nvPr>
-            <p:extLst>
-              <p:ext uri="{386F3935-93C4-4BCD-93E2-E3B085C9AB24}">
-                <p16:designElem xmlns:p16="http://schemas.microsoft.com/office/powerpoint/2015/main" val="1"/>
-              </p:ext>
-            </p:extLst>
-          </p:nvPr>
-        </p:nvGrpSpPr>
-        <p:grpSpPr>
-          <a:xfrm rot="10800000">
-            <a:off x="1" y="3600"/>
-            <a:ext cx="6854400" cy="6854400"/>
-            <a:chOff x="0" y="3600"/>
-            <a:chExt cx="6854400" cy="6854400"/>
+          <p:cNvSpPr txBox="1">
+            <a:spLocks/>
+          </p:cNvSpPr>
+          <p:nvPr/>
+        </p:nvSpPr>
+        <p:spPr>
+          <a:xfrm>
+            <a:off x="5743646" y="1098865"/>
+            <a:ext cx="4537073" cy="3361604"/>
           </a:xfrm>
-        </p:grpSpPr>
-        <p:sp>
-          <p:nvSpPr>
-            <p:cNvPr id="50" name="Oval 49">
-              <a:extLst>
-                <a:ext uri="{FF2B5EF4-FFF2-40B4-BE49-F238E27FC236}">
-                  <a16:creationId xmlns:a16="http://schemas.microsoft.com/office/drawing/2014/main" id="{081A3F73-01DC-494A-B9CC-582418F95AB1}"/>
-                </a:ext>
-                <a:ext uri="{C183D7F6-B498-43B3-948B-1728B52AA6E4}">
-                  <adec:decorative xmlns:adec="http://schemas.microsoft.com/office/drawing/2017/decorative" val="1"/>
-                </a:ext>
-              </a:extLst>
-            </p:cNvPr>
-            <p:cNvSpPr>
-              <a:spLocks noChangeAspect="1"/>
-            </p:cNvSpPr>
-            <p:nvPr>
-              <p:extLst>
-                <p:ext uri="{386F3935-93C4-4BCD-93E2-E3B085C9AB24}">
-                  <p16:designElem xmlns:p16="http://schemas.microsoft.com/office/powerpoint/2015/main" val="1"/>
-                </p:ext>
-              </p:extLst>
-            </p:nvPr>
-          </p:nvSpPr>
-          <p:spPr>
-            <a:xfrm rot="10800000">
-              <a:off x="1" y="3600"/>
-              <a:ext cx="5760000" cy="5760000"/>
-            </a:xfrm>
-            <a:prstGeom prst="ellipse">
-              <a:avLst/>
-            </a:prstGeom>
-            <a:solidFill>
-              <a:schemeClr val="accent1">
-                <a:alpha val="80000"/>
-              </a:schemeClr>
-            </a:solidFill>
-            <a:ln>
-              <a:noFill/>
-            </a:ln>
-            <a:effectLst>
-              <a:softEdge rad="1016000"/>
-            </a:effectLst>
-          </p:spPr>
-          <p:style>
-            <a:lnRef idx="2">
-              <a:schemeClr val="accent1">
-                <a:shade val="50000"/>
-              </a:schemeClr>
-            </a:lnRef>
-            <a:fillRef idx="1">
-              <a:schemeClr val="accent1"/>
-            </a:fillRef>
-            <a:effectRef idx="0">
-              <a:schemeClr val="accent1"/>
-            </a:effectRef>
-            <a:fontRef idx="minor">
-              <a:schemeClr val="lt1"/>
-            </a:fontRef>
-          </p:style>
-          <p:txBody>
-            <a:bodyPr rtlCol="0" anchor="ctr"/>
-            <a:lstStyle/>
-            <a:p>
-              <a:pPr algn="ctr"/>
-              <a:endParaRPr lang="en-US"/>
-            </a:p>
-          </p:txBody>
-        </p:sp>
-        <p:sp>
-          <p:nvSpPr>
-            <p:cNvPr id="51" name="Oval 50">
-              <a:extLst>
-                <a:ext uri="{FF2B5EF4-FFF2-40B4-BE49-F238E27FC236}">
-                  <a16:creationId xmlns:a16="http://schemas.microsoft.com/office/drawing/2014/main" id="{0C4A7316-203B-47F8-B448-E54B106DB1E5}"/>
-                </a:ext>
-                <a:ext uri="{C183D7F6-B498-43B3-948B-1728B52AA6E4}">
-                  <adec:decorative xmlns:adec="http://schemas.microsoft.com/office/drawing/2017/decorative" val="1"/>
-                </a:ext>
-              </a:extLst>
-            </p:cNvPr>
-            <p:cNvSpPr>
-              <a:spLocks noChangeAspect="1"/>
-            </p:cNvSpPr>
-            <p:nvPr>
-              <p:extLst>
-                <p:ext uri="{386F3935-93C4-4BCD-93E2-E3B085C9AB24}">
-                  <p16:designElem xmlns:p16="http://schemas.microsoft.com/office/powerpoint/2015/main" val="1"/>
-                </p:ext>
-              </p:extLst>
-            </p:nvPr>
-          </p:nvSpPr>
-          <p:spPr>
-            <a:xfrm rot="10800000">
-              <a:off x="1" y="1992024"/>
-              <a:ext cx="4320000" cy="4320000"/>
-            </a:xfrm>
-            <a:prstGeom prst="ellipse">
-              <a:avLst/>
-            </a:prstGeom>
-            <a:solidFill>
-              <a:schemeClr val="accent3"/>
-            </a:solidFill>
-            <a:ln>
-              <a:noFill/>
-            </a:ln>
-            <a:effectLst>
-              <a:softEdge rad="1016000"/>
-            </a:effectLst>
-          </p:spPr>
-          <p:style>
-            <a:lnRef idx="2">
-              <a:schemeClr val="accent1">
-                <a:shade val="50000"/>
-              </a:schemeClr>
-            </a:lnRef>
-            <a:fillRef idx="1">
-              <a:schemeClr val="accent1"/>
-            </a:fillRef>
-            <a:effectRef idx="0">
-              <a:schemeClr val="accent1"/>
-            </a:effectRef>
-            <a:fontRef idx="minor">
-              <a:schemeClr val="lt1"/>
-            </a:fontRef>
-          </p:style>
-          <p:txBody>
-            <a:bodyPr rtlCol="0" anchor="ctr"/>
-            <a:lstStyle/>
-            <a:p>
-              <a:pPr algn="ctr"/>
-              <a:endParaRPr lang="en-US"/>
-            </a:p>
-          </p:txBody>
-        </p:sp>
-        <p:sp>
-          <p:nvSpPr>
-            <p:cNvPr id="52" name="Oval 51">
-              <a:extLst>
-                <a:ext uri="{FF2B5EF4-FFF2-40B4-BE49-F238E27FC236}">
-                  <a16:creationId xmlns:a16="http://schemas.microsoft.com/office/drawing/2014/main" id="{2DFB6685-5F8D-4A29-9735-BF4667A59C0E}"/>
-                </a:ext>
-                <a:ext uri="{C183D7F6-B498-43B3-948B-1728B52AA6E4}">
-                  <adec:decorative xmlns:adec="http://schemas.microsoft.com/office/drawing/2017/decorative" val="1"/>
-                </a:ext>
-              </a:extLst>
-            </p:cNvPr>
-            <p:cNvSpPr>
-              <a:spLocks noChangeAspect="1"/>
-            </p:cNvSpPr>
-            <p:nvPr>
-              <p:extLst>
-                <p:ext uri="{386F3935-93C4-4BCD-93E2-E3B085C9AB24}">
-                  <p16:designElem xmlns:p16="http://schemas.microsoft.com/office/powerpoint/2015/main" val="1"/>
-                </p:ext>
-              </p:extLst>
-            </p:nvPr>
-          </p:nvSpPr>
-          <p:spPr>
-            <a:xfrm rot="10800000">
-              <a:off x="0" y="3600"/>
-              <a:ext cx="6854400" cy="6854400"/>
-            </a:xfrm>
-            <a:prstGeom prst="ellipse">
-              <a:avLst/>
-            </a:prstGeom>
-            <a:solidFill>
-              <a:schemeClr val="accent2">
-                <a:alpha val="60000"/>
-              </a:schemeClr>
-            </a:solidFill>
-            <a:ln>
-              <a:noFill/>
-            </a:ln>
-            <a:effectLst>
-              <a:softEdge rad="1270000"/>
-            </a:effectLst>
-          </p:spPr>
-          <p:style>
-            <a:lnRef idx="2">
-              <a:schemeClr val="accent1">
-                <a:shade val="50000"/>
-              </a:schemeClr>
-            </a:lnRef>
-            <a:fillRef idx="1">
-              <a:schemeClr val="accent1"/>
-            </a:fillRef>
-            <a:effectRef idx="0">
-              <a:schemeClr val="accent1"/>
-            </a:effectRef>
-            <a:fontRef idx="minor">
-              <a:schemeClr val="lt1"/>
-            </a:fontRef>
-          </p:style>
-          <p:txBody>
-            <a:bodyPr rtlCol="0" anchor="ctr"/>
-            <a:lstStyle/>
-            <a:p>
-              <a:pPr algn="ctr"/>
-              <a:endParaRPr lang="en-US" dirty="0"/>
-            </a:p>
-          </p:txBody>
-        </p:sp>
-      </p:grpSp>
-      <p:pic>
-        <p:nvPicPr>
-          <p:cNvPr id="4" name="Imagen 3" descr="Calendario&#10;&#10;Descripción generada automáticamente con confianza baja">
+          <a:prstGeom prst="rect">
+            <a:avLst/>
+          </a:prstGeom>
+        </p:spPr>
+        <p:txBody>
+          <a:bodyPr vert="horz" lIns="91440" tIns="45720" rIns="91440" bIns="45720" rtlCol="0" anchor="t">
+            <a:normAutofit/>
+          </a:bodyPr>
+          <a:lstStyle>
+            <a:lvl1pPr marL="0" indent="0" algn="l" defTabSz="914400" rtl="0" eaLnBrk="1" latinLnBrk="0" hangingPunct="1">
+              <a:lnSpc>
+                <a:spcPct val="125000"/>
+              </a:lnSpc>
+              <a:spcBef>
+                <a:spcPts val="1000"/>
+              </a:spcBef>
+              <a:buFont typeface="Arial" panose="020B0604020202020204" pitchFamily="34" charset="0"/>
+              <a:buNone/>
+              <a:defRPr sz="1600" kern="1200" cap="all" spc="300" baseline="0">
+                <a:solidFill>
+                  <a:schemeClr val="tx1"/>
+                </a:solidFill>
+                <a:latin typeface="+mn-lt"/>
+                <a:ea typeface="+mn-ea"/>
+                <a:cs typeface="+mn-cs"/>
+              </a:defRPr>
+            </a:lvl1pPr>
+            <a:lvl2pPr marL="457200" indent="0" algn="ctr" defTabSz="914400" rtl="0" eaLnBrk="1" latinLnBrk="0" hangingPunct="1">
+              <a:lnSpc>
+                <a:spcPct val="125000"/>
+              </a:lnSpc>
+              <a:spcBef>
+                <a:spcPts val="500"/>
+              </a:spcBef>
+              <a:buFont typeface="Arial" panose="020B0604020202020204" pitchFamily="34" charset="0"/>
+              <a:buNone/>
+              <a:defRPr sz="2000" kern="1200" spc="50" baseline="0">
+                <a:solidFill>
+                  <a:schemeClr val="tx1"/>
+                </a:solidFill>
+                <a:latin typeface="+mn-lt"/>
+                <a:ea typeface="+mn-ea"/>
+                <a:cs typeface="+mn-cs"/>
+              </a:defRPr>
+            </a:lvl2pPr>
+            <a:lvl3pPr marL="914400" indent="0" algn="ctr" defTabSz="914400" rtl="0" eaLnBrk="1" latinLnBrk="0" hangingPunct="1">
+              <a:lnSpc>
+                <a:spcPct val="125000"/>
+              </a:lnSpc>
+              <a:spcBef>
+                <a:spcPts val="500"/>
+              </a:spcBef>
+              <a:buFont typeface="Arial" panose="020B0604020202020204" pitchFamily="34" charset="0"/>
+              <a:buNone/>
+              <a:defRPr sz="1800" kern="1200" spc="50" baseline="0">
+                <a:solidFill>
+                  <a:schemeClr val="tx1"/>
+                </a:solidFill>
+                <a:latin typeface="+mn-lt"/>
+                <a:ea typeface="+mn-ea"/>
+                <a:cs typeface="+mn-cs"/>
+              </a:defRPr>
+            </a:lvl3pPr>
+            <a:lvl4pPr marL="1371600" indent="0" algn="ctr" defTabSz="914400" rtl="0" eaLnBrk="1" latinLnBrk="0" hangingPunct="1">
+              <a:lnSpc>
+                <a:spcPct val="125000"/>
+              </a:lnSpc>
+              <a:spcBef>
+                <a:spcPts val="500"/>
+              </a:spcBef>
+              <a:buFont typeface="Arial" panose="020B0604020202020204" pitchFamily="34" charset="0"/>
+              <a:buNone/>
+              <a:defRPr sz="1600" kern="1200" spc="50" baseline="0">
+                <a:solidFill>
+                  <a:schemeClr val="tx1"/>
+                </a:solidFill>
+                <a:latin typeface="+mn-lt"/>
+                <a:ea typeface="+mn-ea"/>
+                <a:cs typeface="+mn-cs"/>
+              </a:defRPr>
+            </a:lvl4pPr>
+            <a:lvl5pPr marL="1828800" indent="0" algn="ctr" defTabSz="914400" rtl="0" eaLnBrk="1" latinLnBrk="0" hangingPunct="1">
+              <a:lnSpc>
+                <a:spcPct val="125000"/>
+              </a:lnSpc>
+              <a:spcBef>
+                <a:spcPts val="500"/>
+              </a:spcBef>
+              <a:buFont typeface="Arial" panose="020B0604020202020204" pitchFamily="34" charset="0"/>
+              <a:buNone/>
+              <a:defRPr sz="1600" kern="1200" spc="50" baseline="0">
+                <a:solidFill>
+                  <a:schemeClr val="tx1"/>
+                </a:solidFill>
+                <a:latin typeface="+mn-lt"/>
+                <a:ea typeface="+mn-ea"/>
+                <a:cs typeface="+mn-cs"/>
+              </a:defRPr>
+            </a:lvl5pPr>
+            <a:lvl6pPr marL="2286000" indent="0" algn="ctr" defTabSz="914400" rtl="0" eaLnBrk="1" latinLnBrk="0" hangingPunct="1">
+              <a:lnSpc>
+                <a:spcPct val="90000"/>
+              </a:lnSpc>
+              <a:spcBef>
+                <a:spcPts val="500"/>
+              </a:spcBef>
+              <a:buFont typeface="Arial" panose="020B0604020202020204" pitchFamily="34" charset="0"/>
+              <a:buNone/>
+              <a:defRPr sz="1600" kern="1200">
+                <a:solidFill>
+                  <a:schemeClr val="tx1"/>
+                </a:solidFill>
+                <a:latin typeface="+mn-lt"/>
+                <a:ea typeface="+mn-ea"/>
+                <a:cs typeface="+mn-cs"/>
+              </a:defRPr>
+            </a:lvl6pPr>
+            <a:lvl7pPr marL="2743200" indent="0" algn="ctr" defTabSz="914400" rtl="0" eaLnBrk="1" latinLnBrk="0" hangingPunct="1">
+              <a:lnSpc>
+                <a:spcPct val="90000"/>
+              </a:lnSpc>
+              <a:spcBef>
+                <a:spcPts val="500"/>
+              </a:spcBef>
+              <a:buFont typeface="Arial" panose="020B0604020202020204" pitchFamily="34" charset="0"/>
+              <a:buNone/>
+              <a:defRPr sz="1600" kern="1200">
+                <a:solidFill>
+                  <a:schemeClr val="tx1"/>
+                </a:solidFill>
+                <a:latin typeface="+mn-lt"/>
+                <a:ea typeface="+mn-ea"/>
+                <a:cs typeface="+mn-cs"/>
+              </a:defRPr>
+            </a:lvl7pPr>
+            <a:lvl8pPr marL="3200400" indent="0" algn="ctr" defTabSz="914400" rtl="0" eaLnBrk="1" latinLnBrk="0" hangingPunct="1">
+              <a:lnSpc>
+                <a:spcPct val="90000"/>
+              </a:lnSpc>
+              <a:spcBef>
+                <a:spcPts val="500"/>
+              </a:spcBef>
+              <a:buFont typeface="Arial" panose="020B0604020202020204" pitchFamily="34" charset="0"/>
+              <a:buNone/>
+              <a:defRPr sz="1600" kern="1200">
+                <a:solidFill>
+                  <a:schemeClr val="tx1"/>
+                </a:solidFill>
+                <a:latin typeface="+mn-lt"/>
+                <a:ea typeface="+mn-ea"/>
+                <a:cs typeface="+mn-cs"/>
+              </a:defRPr>
+            </a:lvl8pPr>
+            <a:lvl9pPr marL="3657600" indent="0" algn="ctr" defTabSz="914400" rtl="0" eaLnBrk="1" latinLnBrk="0" hangingPunct="1">
+              <a:lnSpc>
+                <a:spcPct val="90000"/>
+              </a:lnSpc>
+              <a:spcBef>
+                <a:spcPts val="500"/>
+              </a:spcBef>
+              <a:buFont typeface="Arial" panose="020B0604020202020204" pitchFamily="34" charset="0"/>
+              <a:buNone/>
+              <a:defRPr sz="1600" kern="1200">
+                <a:solidFill>
+                  <a:schemeClr val="tx1"/>
+                </a:solidFill>
+                <a:latin typeface="+mn-lt"/>
+                <a:ea typeface="+mn-ea"/>
+                <a:cs typeface="+mn-cs"/>
+              </a:defRPr>
+            </a:lvl9pPr>
+          </a:lstStyle>
+          <a:p>
+            <a:endParaRPr lang="en-US" dirty="0">
+              <a:solidFill>
+                <a:schemeClr val="accent2"/>
+              </a:solidFill>
+            </a:endParaRPr>
+          </a:p>
+        </p:txBody>
+      </p:sp>
+      <p:sp>
+        <p:nvSpPr>
+          <p:cNvPr id="6" name="Content Placeholder 57">
             <a:extLst>
               <a:ext uri="{FF2B5EF4-FFF2-40B4-BE49-F238E27FC236}">
-                <a16:creationId xmlns:a16="http://schemas.microsoft.com/office/drawing/2014/main" id="{0D85E699-0F56-80AA-D376-2A61F39ACA75}"/>
+                <a16:creationId xmlns:a16="http://schemas.microsoft.com/office/drawing/2014/main" id="{B13AF8AA-E07A-E190-77F8-E94740D03272}"/>
               </a:ext>
             </a:extLst>
           </p:cNvPr>
-          <p:cNvPicPr>
-            <a:picLocks noChangeAspect="1"/>
-          </p:cNvPicPr>
+          <p:cNvSpPr txBox="1">
+            <a:spLocks/>
+          </p:cNvSpPr>
           <p:nvPr/>
-        </p:nvPicPr>
-        <p:blipFill>
-          <a:blip r:embed="rId2"/>
-          <a:srcRect/>
-          <a:stretch/>
-        </p:blipFill>
+        </p:nvSpPr>
         <p:spPr>
           <a:xfrm>
-            <a:off x="20" y="-1"/>
-            <a:ext cx="6857980" cy="6858000"/>
+            <a:off x="467593" y="4021401"/>
+            <a:ext cx="4537073" cy="3361604"/>
           </a:xfrm>
-          <a:custGeom>
+          <a:prstGeom prst="rect">
             <a:avLst/>
-            <a:gdLst/>
-            <a:ahLst/>
-            <a:cxnLst/>
-            <a:rect l="l" t="t" r="r" b="b"/>
-            <a:pathLst>
-              <a:path w="6858000" h="6858000">
-                <a:moveTo>
-                  <a:pt x="3429001" y="0"/>
-                </a:moveTo>
-                <a:cubicBezTo>
-                  <a:pt x="5322784" y="0"/>
-                  <a:pt x="6858000" y="1535216"/>
-                  <a:pt x="6858000" y="3429001"/>
-                </a:cubicBezTo>
-                <a:cubicBezTo>
-                  <a:pt x="6858000" y="5322785"/>
-                  <a:pt x="5322784" y="6858000"/>
-                  <a:pt x="3429001" y="6858000"/>
-                </a:cubicBezTo>
-                <a:cubicBezTo>
-                  <a:pt x="1535216" y="6858000"/>
-                  <a:pt x="0" y="5322785"/>
-                  <a:pt x="0" y="3429001"/>
-                </a:cubicBezTo>
-                <a:cubicBezTo>
-                  <a:pt x="0" y="1535216"/>
-                  <a:pt x="1535216" y="0"/>
-                  <a:pt x="3429001" y="0"/>
-                </a:cubicBezTo>
-                <a:close/>
-              </a:path>
-            </a:pathLst>
-          </a:custGeom>
-          <a:effectLst>
-            <a:softEdge rad="1016000"/>
-          </a:effectLst>
+          </a:prstGeom>
         </p:spPr>
-      </p:pic>
+        <p:txBody>
+          <a:bodyPr vert="horz" lIns="91440" tIns="45720" rIns="91440" bIns="45720" rtlCol="0" anchor="t">
+            <a:normAutofit/>
+          </a:bodyPr>
+          <a:lstStyle>
+            <a:lvl1pPr marL="0" indent="0" algn="l" defTabSz="914400" rtl="0" eaLnBrk="1" latinLnBrk="0" hangingPunct="1">
+              <a:lnSpc>
+                <a:spcPct val="125000"/>
+              </a:lnSpc>
+              <a:spcBef>
+                <a:spcPts val="1000"/>
+              </a:spcBef>
+              <a:buFont typeface="Arial" panose="020B0604020202020204" pitchFamily="34" charset="0"/>
+              <a:buNone/>
+              <a:defRPr sz="1600" kern="1200" cap="all" spc="300" baseline="0">
+                <a:solidFill>
+                  <a:schemeClr val="tx1"/>
+                </a:solidFill>
+                <a:latin typeface="+mn-lt"/>
+                <a:ea typeface="+mn-ea"/>
+                <a:cs typeface="+mn-cs"/>
+              </a:defRPr>
+            </a:lvl1pPr>
+            <a:lvl2pPr marL="457200" indent="0" algn="ctr" defTabSz="914400" rtl="0" eaLnBrk="1" latinLnBrk="0" hangingPunct="1">
+              <a:lnSpc>
+                <a:spcPct val="125000"/>
+              </a:lnSpc>
+              <a:spcBef>
+                <a:spcPts val="500"/>
+              </a:spcBef>
+              <a:buFont typeface="Arial" panose="020B0604020202020204" pitchFamily="34" charset="0"/>
+              <a:buNone/>
+              <a:defRPr sz="2000" kern="1200" spc="50" baseline="0">
+                <a:solidFill>
+                  <a:schemeClr val="tx1"/>
+                </a:solidFill>
+                <a:latin typeface="+mn-lt"/>
+                <a:ea typeface="+mn-ea"/>
+                <a:cs typeface="+mn-cs"/>
+              </a:defRPr>
+            </a:lvl2pPr>
+            <a:lvl3pPr marL="914400" indent="0" algn="ctr" defTabSz="914400" rtl="0" eaLnBrk="1" latinLnBrk="0" hangingPunct="1">
+              <a:lnSpc>
+                <a:spcPct val="125000"/>
+              </a:lnSpc>
+              <a:spcBef>
+                <a:spcPts val="500"/>
+              </a:spcBef>
+              <a:buFont typeface="Arial" panose="020B0604020202020204" pitchFamily="34" charset="0"/>
+              <a:buNone/>
+              <a:defRPr sz="1800" kern="1200" spc="50" baseline="0">
+                <a:solidFill>
+                  <a:schemeClr val="tx1"/>
+                </a:solidFill>
+                <a:latin typeface="+mn-lt"/>
+                <a:ea typeface="+mn-ea"/>
+                <a:cs typeface="+mn-cs"/>
+              </a:defRPr>
+            </a:lvl3pPr>
+            <a:lvl4pPr marL="1371600" indent="0" algn="ctr" defTabSz="914400" rtl="0" eaLnBrk="1" latinLnBrk="0" hangingPunct="1">
+              <a:lnSpc>
+                <a:spcPct val="125000"/>
+              </a:lnSpc>
+              <a:spcBef>
+                <a:spcPts val="500"/>
+              </a:spcBef>
+              <a:buFont typeface="Arial" panose="020B0604020202020204" pitchFamily="34" charset="0"/>
+              <a:buNone/>
+              <a:defRPr sz="1600" kern="1200" spc="50" baseline="0">
+                <a:solidFill>
+                  <a:schemeClr val="tx1"/>
+                </a:solidFill>
+                <a:latin typeface="+mn-lt"/>
+                <a:ea typeface="+mn-ea"/>
+                <a:cs typeface="+mn-cs"/>
+              </a:defRPr>
+            </a:lvl4pPr>
+            <a:lvl5pPr marL="1828800" indent="0" algn="ctr" defTabSz="914400" rtl="0" eaLnBrk="1" latinLnBrk="0" hangingPunct="1">
+              <a:lnSpc>
+                <a:spcPct val="125000"/>
+              </a:lnSpc>
+              <a:spcBef>
+                <a:spcPts val="500"/>
+              </a:spcBef>
+              <a:buFont typeface="Arial" panose="020B0604020202020204" pitchFamily="34" charset="0"/>
+              <a:buNone/>
+              <a:defRPr sz="1600" kern="1200" spc="50" baseline="0">
+                <a:solidFill>
+                  <a:schemeClr val="tx1"/>
+                </a:solidFill>
+                <a:latin typeface="+mn-lt"/>
+                <a:ea typeface="+mn-ea"/>
+                <a:cs typeface="+mn-cs"/>
+              </a:defRPr>
+            </a:lvl5pPr>
+            <a:lvl6pPr marL="2286000" indent="0" algn="ctr" defTabSz="914400" rtl="0" eaLnBrk="1" latinLnBrk="0" hangingPunct="1">
+              <a:lnSpc>
+                <a:spcPct val="90000"/>
+              </a:lnSpc>
+              <a:spcBef>
+                <a:spcPts val="500"/>
+              </a:spcBef>
+              <a:buFont typeface="Arial" panose="020B0604020202020204" pitchFamily="34" charset="0"/>
+              <a:buNone/>
+              <a:defRPr sz="1600" kern="1200">
+                <a:solidFill>
+                  <a:schemeClr val="tx1"/>
+                </a:solidFill>
+                <a:latin typeface="+mn-lt"/>
+                <a:ea typeface="+mn-ea"/>
+                <a:cs typeface="+mn-cs"/>
+              </a:defRPr>
+            </a:lvl6pPr>
+            <a:lvl7pPr marL="2743200" indent="0" algn="ctr" defTabSz="914400" rtl="0" eaLnBrk="1" latinLnBrk="0" hangingPunct="1">
+              <a:lnSpc>
+                <a:spcPct val="90000"/>
+              </a:lnSpc>
+              <a:spcBef>
+                <a:spcPts val="500"/>
+              </a:spcBef>
+              <a:buFont typeface="Arial" panose="020B0604020202020204" pitchFamily="34" charset="0"/>
+              <a:buNone/>
+              <a:defRPr sz="1600" kern="1200">
+                <a:solidFill>
+                  <a:schemeClr val="tx1"/>
+                </a:solidFill>
+                <a:latin typeface="+mn-lt"/>
+                <a:ea typeface="+mn-ea"/>
+                <a:cs typeface="+mn-cs"/>
+              </a:defRPr>
+            </a:lvl7pPr>
+            <a:lvl8pPr marL="3200400" indent="0" algn="ctr" defTabSz="914400" rtl="0" eaLnBrk="1" latinLnBrk="0" hangingPunct="1">
+              <a:lnSpc>
+                <a:spcPct val="90000"/>
+              </a:lnSpc>
+              <a:spcBef>
+                <a:spcPts val="500"/>
+              </a:spcBef>
+              <a:buFont typeface="Arial" panose="020B0604020202020204" pitchFamily="34" charset="0"/>
+              <a:buNone/>
+              <a:defRPr sz="1600" kern="1200">
+                <a:solidFill>
+                  <a:schemeClr val="tx1"/>
+                </a:solidFill>
+                <a:latin typeface="+mn-lt"/>
+                <a:ea typeface="+mn-ea"/>
+                <a:cs typeface="+mn-cs"/>
+              </a:defRPr>
+            </a:lvl8pPr>
+            <a:lvl9pPr marL="3657600" indent="0" algn="ctr" defTabSz="914400" rtl="0" eaLnBrk="1" latinLnBrk="0" hangingPunct="1">
+              <a:lnSpc>
+                <a:spcPct val="90000"/>
+              </a:lnSpc>
+              <a:spcBef>
+                <a:spcPts val="500"/>
+              </a:spcBef>
+              <a:buFont typeface="Arial" panose="020B0604020202020204" pitchFamily="34" charset="0"/>
+              <a:buNone/>
+              <a:defRPr sz="1600" kern="1200">
+                <a:solidFill>
+                  <a:schemeClr val="tx1"/>
+                </a:solidFill>
+                <a:latin typeface="+mn-lt"/>
+                <a:ea typeface="+mn-ea"/>
+                <a:cs typeface="+mn-cs"/>
+              </a:defRPr>
+            </a:lvl9pPr>
+          </a:lstStyle>
+          <a:p>
+            <a:endParaRPr lang="en-US" dirty="0"/>
+          </a:p>
+        </p:txBody>
+      </p:sp>
     </p:spTree>
     <p:extLst>
       <p:ext uri="{BB962C8B-B14F-4D97-AF65-F5344CB8AC3E}">
@@ -11387,10 +11596,283 @@
   <p:clrMapOvr>
     <a:masterClrMapping/>
   </p:clrMapOvr>
+  <p:timing>
+    <p:tnLst>
+      <p:par>
+        <p:cTn id="1" dur="indefinite" restart="never" nodeType="tmRoot">
+          <p:childTnLst>
+            <p:seq concurrent="1" nextAc="seek">
+              <p:cTn id="2" dur="indefinite" nodeType="mainSeq">
+                <p:childTnLst>
+                  <p:par>
+                    <p:cTn id="3" fill="hold">
+                      <p:stCondLst>
+                        <p:cond delay="indefinite"/>
+                      </p:stCondLst>
+                      <p:childTnLst>
+                        <p:par>
+                          <p:cTn id="4" fill="hold">
+                            <p:stCondLst>
+                              <p:cond delay="0"/>
+                            </p:stCondLst>
+                            <p:childTnLst>
+                              <p:par>
+                                <p:cTn id="5" presetID="14" presetClass="entr" presetSubtype="10" fill="hold" grpId="0" nodeType="clickEffect" nodePh="1">
+                                  <p:stCondLst>
+                                    <p:cond delay="0"/>
+                                  </p:stCondLst>
+                                  <p:endCondLst>
+                                    <p:cond evt="begin" delay="0">
+                                      <p:tn val="5"/>
+                                    </p:cond>
+                                  </p:endCondLst>
+                                  <p:childTnLst>
+                                    <p:set>
+                                      <p:cBhvr>
+                                        <p:cTn id="6" dur="1" fill="hold">
+                                          <p:stCondLst>
+                                            <p:cond delay="0"/>
+                                          </p:stCondLst>
+                                        </p:cTn>
+                                        <p:tgtEl>
+                                          <p:spTgt spid="5">
+                                            <p:txEl>
+                                              <p:pRg st="0" end="0"/>
+                                            </p:txEl>
+                                          </p:spTgt>
+                                        </p:tgtEl>
+                                        <p:attrNameLst>
+                                          <p:attrName>style.visibility</p:attrName>
+                                        </p:attrNameLst>
+                                      </p:cBhvr>
+                                      <p:to>
+                                        <p:strVal val="visible"/>
+                                      </p:to>
+                                    </p:set>
+                                    <p:animEffect transition="in" filter="randombar(horizontal)">
+                                      <p:cBhvr>
+                                        <p:cTn id="7" dur="500"/>
+                                        <p:tgtEl>
+                                          <p:spTgt spid="5">
+                                            <p:txEl>
+                                              <p:pRg st="0" end="0"/>
+                                            </p:txEl>
+                                          </p:spTgt>
+                                        </p:tgtEl>
+                                      </p:cBhvr>
+                                    </p:animEffect>
+                                  </p:childTnLst>
+                                </p:cTn>
+                              </p:par>
+                            </p:childTnLst>
+                          </p:cTn>
+                        </p:par>
+                      </p:childTnLst>
+                    </p:cTn>
+                  </p:par>
+                  <p:par>
+                    <p:cTn id="8" fill="hold">
+                      <p:stCondLst>
+                        <p:cond delay="indefinite"/>
+                      </p:stCondLst>
+                      <p:childTnLst>
+                        <p:par>
+                          <p:cTn id="9" fill="hold">
+                            <p:stCondLst>
+                              <p:cond delay="0"/>
+                            </p:stCondLst>
+                            <p:childTnLst>
+                              <p:par>
+                                <p:cTn id="10" presetID="14" presetClass="entr" presetSubtype="10" fill="hold" grpId="0" nodeType="clickEffect" nodePh="1">
+                                  <p:stCondLst>
+                                    <p:cond delay="0"/>
+                                  </p:stCondLst>
+                                  <p:endCondLst>
+                                    <p:cond evt="begin" delay="0">
+                                      <p:tn val="10"/>
+                                    </p:cond>
+                                  </p:endCondLst>
+                                  <p:childTnLst>
+                                    <p:set>
+                                      <p:cBhvr>
+                                        <p:cTn id="11" dur="1" fill="hold">
+                                          <p:stCondLst>
+                                            <p:cond delay="0"/>
+                                          </p:stCondLst>
+                                        </p:cTn>
+                                        <p:tgtEl>
+                                          <p:spTgt spid="6">
+                                            <p:txEl>
+                                              <p:pRg st="0" end="0"/>
+                                            </p:txEl>
+                                          </p:spTgt>
+                                        </p:tgtEl>
+                                        <p:attrNameLst>
+                                          <p:attrName>style.visibility</p:attrName>
+                                        </p:attrNameLst>
+                                      </p:cBhvr>
+                                      <p:to>
+                                        <p:strVal val="visible"/>
+                                      </p:to>
+                                    </p:set>
+                                    <p:animEffect transition="in" filter="randombar(horizontal)">
+                                      <p:cBhvr>
+                                        <p:cTn id="12" dur="500"/>
+                                        <p:tgtEl>
+                                          <p:spTgt spid="6">
+                                            <p:txEl>
+                                              <p:pRg st="0" end="0"/>
+                                            </p:txEl>
+                                          </p:spTgt>
+                                        </p:tgtEl>
+                                      </p:cBhvr>
+                                    </p:animEffect>
+                                  </p:childTnLst>
+                                </p:cTn>
+                              </p:par>
+                            </p:childTnLst>
+                          </p:cTn>
+                        </p:par>
+                      </p:childTnLst>
+                    </p:cTn>
+                  </p:par>
+                </p:childTnLst>
+              </p:cTn>
+              <p:prevCondLst>
+                <p:cond evt="onPrev" delay="0">
+                  <p:tgtEl>
+                    <p:sldTgt/>
+                  </p:tgtEl>
+                </p:cond>
+              </p:prevCondLst>
+              <p:nextCondLst>
+                <p:cond evt="onNext" delay="0">
+                  <p:tgtEl>
+                    <p:sldTgt/>
+                  </p:tgtEl>
+                </p:cond>
+              </p:nextCondLst>
+            </p:seq>
+          </p:childTnLst>
+        </p:cTn>
+      </p:par>
+    </p:tnLst>
+    <p:bldLst>
+      <p:bldP spid="5" grpId="0" build="p"/>
+      <p:bldP spid="6" grpId="0" build="p"/>
+    </p:bldLst>
+  </p:timing>
 </p:sld>
 </file>
 
 <file path=ppt/slides/slide2.xml><?xml version="1.0" encoding="utf-8"?>
+<p:sld xmlns:a="http://schemas.openxmlformats.org/drawingml/2006/main" xmlns:r="http://schemas.openxmlformats.org/officeDocument/2006/relationships" xmlns:p="http://schemas.openxmlformats.org/presentationml/2006/main">
+  <p:cSld>
+    <p:spTree>
+      <p:nvGrpSpPr>
+        <p:cNvPr id="1" name=""/>
+        <p:cNvGrpSpPr/>
+        <p:nvPr/>
+      </p:nvGrpSpPr>
+      <p:grpSpPr>
+        <a:xfrm>
+          <a:off x="0" y="0"/>
+          <a:ext cx="0" cy="0"/>
+          <a:chOff x="0" y="0"/>
+          <a:chExt cx="0" cy="0"/>
+        </a:xfrm>
+      </p:grpSpPr>
+      <p:sp>
+        <p:nvSpPr>
+          <p:cNvPr id="2" name="Título 1">
+            <a:extLst>
+              <a:ext uri="{FF2B5EF4-FFF2-40B4-BE49-F238E27FC236}">
+                <a16:creationId xmlns:a16="http://schemas.microsoft.com/office/drawing/2014/main" id="{AA15203C-4268-07C5-B248-95EC2B822B76}"/>
+              </a:ext>
+            </a:extLst>
+          </p:cNvPr>
+          <p:cNvSpPr>
+            <a:spLocks noGrp="1"/>
+          </p:cNvSpPr>
+          <p:nvPr>
+            <p:ph type="title"/>
+          </p:nvPr>
+        </p:nvSpPr>
+        <p:spPr/>
+        <p:txBody>
+          <a:bodyPr/>
+          <a:lstStyle/>
+          <a:p>
+            <a:r>
+              <a:rPr lang="es-ES" dirty="0"/>
+              <a:t>Objetivos de la presentación</a:t>
+            </a:r>
+          </a:p>
+        </p:txBody>
+      </p:sp>
+      <p:sp>
+        <p:nvSpPr>
+          <p:cNvPr id="3" name="Marcador de contenido 2">
+            <a:extLst>
+              <a:ext uri="{FF2B5EF4-FFF2-40B4-BE49-F238E27FC236}">
+                <a16:creationId xmlns:a16="http://schemas.microsoft.com/office/drawing/2014/main" id="{68304453-BF0F-7C42-2430-3C7A2EDB533B}"/>
+              </a:ext>
+            </a:extLst>
+          </p:cNvPr>
+          <p:cNvSpPr>
+            <a:spLocks noGrp="1"/>
+          </p:cNvSpPr>
+          <p:nvPr>
+            <p:ph idx="1"/>
+          </p:nvPr>
+        </p:nvSpPr>
+        <p:spPr/>
+        <p:txBody>
+          <a:bodyPr/>
+          <a:lstStyle/>
+          <a:p>
+            <a:r>
+              <a:rPr lang="es-ES" dirty="0"/>
+              <a:t>Averiguar cuales son los países con mas goles </a:t>
+            </a:r>
+          </a:p>
+          <a:p>
+            <a:r>
+              <a:rPr lang="es-ES" dirty="0"/>
+              <a:t>Ver quienes son los 3 jugadores con mejores cifras goleadoras</a:t>
+            </a:r>
+          </a:p>
+          <a:p>
+            <a:r>
+              <a:rPr lang="es-ES" dirty="0"/>
+              <a:t>Ver la dispersión de goles a lo largo de los años</a:t>
+            </a:r>
+          </a:p>
+          <a:p>
+            <a:r>
+              <a:rPr lang="es-ES" dirty="0"/>
+              <a:t>Cual es el torneo con mas goles  </a:t>
+            </a:r>
+          </a:p>
+          <a:p>
+            <a:endParaRPr lang="es-ES" dirty="0"/>
+          </a:p>
+        </p:txBody>
+      </p:sp>
+    </p:spTree>
+    <p:extLst>
+      <p:ext uri="{BB962C8B-B14F-4D97-AF65-F5344CB8AC3E}">
+        <p14:creationId xmlns:p14="http://schemas.microsoft.com/office/powerpoint/2010/main" val="2978705420"/>
+      </p:ext>
+    </p:extLst>
+  </p:cSld>
+  <p:clrMapOvr>
+    <a:masterClrMapping/>
+  </p:clrMapOvr>
+</p:sld>
+</file>
+
+<file path=ppt/slides/slide3.xml><?xml version="1.0" encoding="utf-8"?>
 <p:sld xmlns:a="http://schemas.openxmlformats.org/drawingml/2006/main" xmlns:r="http://schemas.openxmlformats.org/officeDocument/2006/relationships" xmlns:p="http://schemas.openxmlformats.org/presentationml/2006/main">
   <p:cSld>
     <p:bg>
@@ -12867,7 +13349,7 @@
 </p:sld>
 </file>
 
-<file path=ppt/slides/slide3.xml><?xml version="1.0" encoding="utf-8"?>
+<file path=ppt/slides/slide4.xml><?xml version="1.0" encoding="utf-8"?>
 <p:sld xmlns:a="http://schemas.openxmlformats.org/drawingml/2006/main" xmlns:r="http://schemas.openxmlformats.org/officeDocument/2006/relationships" xmlns:p="http://schemas.openxmlformats.org/presentationml/2006/main">
   <p:cSld>
     <p:bg>
@@ -14275,7 +14757,7 @@
 </p:sld>
 </file>
 
-<file path=ppt/slides/slide4.xml><?xml version="1.0" encoding="utf-8"?>
+<file path=ppt/slides/slide5.xml><?xml version="1.0" encoding="utf-8"?>
 <p:sld xmlns:a="http://schemas.openxmlformats.org/drawingml/2006/main" xmlns:r="http://schemas.openxmlformats.org/officeDocument/2006/relationships" xmlns:p="http://schemas.openxmlformats.org/presentationml/2006/main">
   <p:cSld>
     <p:bg>
@@ -15660,7 +16142,7 @@
 </p:sld>
 </file>
 
-<file path=ppt/slides/slide5.xml><?xml version="1.0" encoding="utf-8"?>
+<file path=ppt/slides/slide6.xml><?xml version="1.0" encoding="utf-8"?>
 <p:sld xmlns:a="http://schemas.openxmlformats.org/drawingml/2006/main" xmlns:r="http://schemas.openxmlformats.org/officeDocument/2006/relationships" xmlns:p="http://schemas.openxmlformats.org/presentationml/2006/main">
   <p:cSld>
     <p:bg>
@@ -16865,7 +17347,7 @@
             </a:r>
             <a:r>
               <a:rPr lang="en-US" sz="1500" dirty="0" err="1"/>
-              <a:t>en</a:t>
+              <a:t>el</a:t>
             </a:r>
             <a:r>
               <a:rPr lang="en-US" sz="1500" dirty="0"/>
@@ -17575,7 +18057,7 @@
 </p:sld>
 </file>
 
-<file path=ppt/slides/slide6.xml><?xml version="1.0" encoding="utf-8"?>
+<file path=ppt/slides/slide7.xml><?xml version="1.0" encoding="utf-8"?>
 <p:sld xmlns:a="http://schemas.openxmlformats.org/drawingml/2006/main" xmlns:r="http://schemas.openxmlformats.org/officeDocument/2006/relationships" xmlns:p="http://schemas.openxmlformats.org/presentationml/2006/main">
   <p:cSld>
     <p:bg>
